--- a/documents/architecture2.pptx
+++ b/documents/architecture2.pptx
@@ -245,7 +245,7 @@
           <a:p>
             <a:fld id="{DF9F85F1-8CA6-D44C-86D8-D812A5DAD618}" type="datetimeFigureOut">
               <a:rPr lang="en-US" smtClean="0"/>
-              <a:t>1/21/25</a:t>
+              <a:t>1/27/25</a:t>
             </a:fld>
             <a:endParaRPr lang="en-US"/>
           </a:p>
@@ -415,7 +415,7 @@
           <a:p>
             <a:fld id="{DF9F85F1-8CA6-D44C-86D8-D812A5DAD618}" type="datetimeFigureOut">
               <a:rPr lang="en-US" smtClean="0"/>
-              <a:t>1/21/25</a:t>
+              <a:t>1/27/25</a:t>
             </a:fld>
             <a:endParaRPr lang="en-US"/>
           </a:p>
@@ -595,7 +595,7 @@
           <a:p>
             <a:fld id="{DF9F85F1-8CA6-D44C-86D8-D812A5DAD618}" type="datetimeFigureOut">
               <a:rPr lang="en-US" smtClean="0"/>
-              <a:t>1/21/25</a:t>
+              <a:t>1/27/25</a:t>
             </a:fld>
             <a:endParaRPr lang="en-US"/>
           </a:p>
@@ -765,7 +765,7 @@
           <a:p>
             <a:fld id="{DF9F85F1-8CA6-D44C-86D8-D812A5DAD618}" type="datetimeFigureOut">
               <a:rPr lang="en-US" smtClean="0"/>
-              <a:t>1/21/25</a:t>
+              <a:t>1/27/25</a:t>
             </a:fld>
             <a:endParaRPr lang="en-US"/>
           </a:p>
@@ -1011,7 +1011,7 @@
           <a:p>
             <a:fld id="{DF9F85F1-8CA6-D44C-86D8-D812A5DAD618}" type="datetimeFigureOut">
               <a:rPr lang="en-US" smtClean="0"/>
-              <a:t>1/21/25</a:t>
+              <a:t>1/27/25</a:t>
             </a:fld>
             <a:endParaRPr lang="en-US"/>
           </a:p>
@@ -1243,7 +1243,7 @@
           <a:p>
             <a:fld id="{DF9F85F1-8CA6-D44C-86D8-D812A5DAD618}" type="datetimeFigureOut">
               <a:rPr lang="en-US" smtClean="0"/>
-              <a:t>1/21/25</a:t>
+              <a:t>1/27/25</a:t>
             </a:fld>
             <a:endParaRPr lang="en-US"/>
           </a:p>
@@ -1610,7 +1610,7 @@
           <a:p>
             <a:fld id="{DF9F85F1-8CA6-D44C-86D8-D812A5DAD618}" type="datetimeFigureOut">
               <a:rPr lang="en-US" smtClean="0"/>
-              <a:t>1/21/25</a:t>
+              <a:t>1/27/25</a:t>
             </a:fld>
             <a:endParaRPr lang="en-US"/>
           </a:p>
@@ -1728,7 +1728,7 @@
           <a:p>
             <a:fld id="{DF9F85F1-8CA6-D44C-86D8-D812A5DAD618}" type="datetimeFigureOut">
               <a:rPr lang="en-US" smtClean="0"/>
-              <a:t>1/21/25</a:t>
+              <a:t>1/27/25</a:t>
             </a:fld>
             <a:endParaRPr lang="en-US"/>
           </a:p>
@@ -1823,7 +1823,7 @@
           <a:p>
             <a:fld id="{DF9F85F1-8CA6-D44C-86D8-D812A5DAD618}" type="datetimeFigureOut">
               <a:rPr lang="en-US" smtClean="0"/>
-              <a:t>1/21/25</a:t>
+              <a:t>1/27/25</a:t>
             </a:fld>
             <a:endParaRPr lang="en-US"/>
           </a:p>
@@ -2100,7 +2100,7 @@
           <a:p>
             <a:fld id="{DF9F85F1-8CA6-D44C-86D8-D812A5DAD618}" type="datetimeFigureOut">
               <a:rPr lang="en-US" smtClean="0"/>
-              <a:t>1/21/25</a:t>
+              <a:t>1/27/25</a:t>
             </a:fld>
             <a:endParaRPr lang="en-US"/>
           </a:p>
@@ -2357,7 +2357,7 @@
           <a:p>
             <a:fld id="{DF9F85F1-8CA6-D44C-86D8-D812A5DAD618}" type="datetimeFigureOut">
               <a:rPr lang="en-US" smtClean="0"/>
-              <a:t>1/21/25</a:t>
+              <a:t>1/27/25</a:t>
             </a:fld>
             <a:endParaRPr lang="en-US"/>
           </a:p>
@@ -2570,7 +2570,7 @@
           <a:p>
             <a:fld id="{DF9F85F1-8CA6-D44C-86D8-D812A5DAD618}" type="datetimeFigureOut">
               <a:rPr lang="en-US" smtClean="0"/>
-              <a:t>1/21/25</a:t>
+              <a:t>1/27/25</a:t>
             </a:fld>
             <a:endParaRPr lang="en-US"/>
           </a:p>
@@ -5049,7 +5049,7 @@
         </p:nvCxnSpPr>
         <p:spPr>
           <a:xfrm flipV="1">
-            <a:off x="5239740" y="5108383"/>
+            <a:off x="5258990" y="5127633"/>
             <a:ext cx="10388" cy="649794"/>
           </a:xfrm>
           <a:prstGeom prst="straightConnector1">
@@ -6512,9 +6512,9 @@
           <p:nvPr/>
         </p:nvCxnSpPr>
         <p:spPr>
-          <a:xfrm flipH="1" flipV="1">
-            <a:off x="3006760" y="5084944"/>
-            <a:ext cx="2263110" cy="41772"/>
+          <a:xfrm flipH="1">
+            <a:off x="2973255" y="5126716"/>
+            <a:ext cx="2296615" cy="0"/>
           </a:xfrm>
           <a:prstGeom prst="straightConnector1">
             <a:avLst/>
@@ -6553,9 +6553,9 @@
           <p:nvPr/>
         </p:nvCxnSpPr>
         <p:spPr>
-          <a:xfrm flipH="1" flipV="1">
-            <a:off x="3822469" y="3516217"/>
-            <a:ext cx="39846" cy="1568727"/>
+          <a:xfrm flipV="1">
+            <a:off x="3822469" y="3557989"/>
+            <a:ext cx="0" cy="1568727"/>
           </a:xfrm>
           <a:prstGeom prst="straightConnector1">
             <a:avLst/>

--- a/documents/architecture2.pptx
+++ b/documents/architecture2.pptx
@@ -8,6 +8,8 @@
     <p:sldId id="256" r:id="rId2"/>
     <p:sldId id="258" r:id="rId3"/>
     <p:sldId id="257" r:id="rId4"/>
+    <p:sldId id="259" r:id="rId5"/>
+    <p:sldId id="260" r:id="rId6"/>
   </p:sldIdLst>
   <p:sldSz cx="16459200" cy="9144000"/>
   <p:notesSz cx="6858000" cy="9144000"/>
@@ -245,7 +247,7 @@
           <a:p>
             <a:fld id="{DF9F85F1-8CA6-D44C-86D8-D812A5DAD618}" type="datetimeFigureOut">
               <a:rPr lang="en-US" smtClean="0"/>
-              <a:t>1/27/25</a:t>
+              <a:t>2/4/25</a:t>
             </a:fld>
             <a:endParaRPr lang="en-US"/>
           </a:p>
@@ -415,7 +417,7 @@
           <a:p>
             <a:fld id="{DF9F85F1-8CA6-D44C-86D8-D812A5DAD618}" type="datetimeFigureOut">
               <a:rPr lang="en-US" smtClean="0"/>
-              <a:t>1/27/25</a:t>
+              <a:t>2/4/25</a:t>
             </a:fld>
             <a:endParaRPr lang="en-US"/>
           </a:p>
@@ -595,7 +597,7 @@
           <a:p>
             <a:fld id="{DF9F85F1-8CA6-D44C-86D8-D812A5DAD618}" type="datetimeFigureOut">
               <a:rPr lang="en-US" smtClean="0"/>
-              <a:t>1/27/25</a:t>
+              <a:t>2/4/25</a:t>
             </a:fld>
             <a:endParaRPr lang="en-US"/>
           </a:p>
@@ -765,7 +767,7 @@
           <a:p>
             <a:fld id="{DF9F85F1-8CA6-D44C-86D8-D812A5DAD618}" type="datetimeFigureOut">
               <a:rPr lang="en-US" smtClean="0"/>
-              <a:t>1/27/25</a:t>
+              <a:t>2/4/25</a:t>
             </a:fld>
             <a:endParaRPr lang="en-US"/>
           </a:p>
@@ -1011,7 +1013,7 @@
           <a:p>
             <a:fld id="{DF9F85F1-8CA6-D44C-86D8-D812A5DAD618}" type="datetimeFigureOut">
               <a:rPr lang="en-US" smtClean="0"/>
-              <a:t>1/27/25</a:t>
+              <a:t>2/4/25</a:t>
             </a:fld>
             <a:endParaRPr lang="en-US"/>
           </a:p>
@@ -1243,7 +1245,7 @@
           <a:p>
             <a:fld id="{DF9F85F1-8CA6-D44C-86D8-D812A5DAD618}" type="datetimeFigureOut">
               <a:rPr lang="en-US" smtClean="0"/>
-              <a:t>1/27/25</a:t>
+              <a:t>2/4/25</a:t>
             </a:fld>
             <a:endParaRPr lang="en-US"/>
           </a:p>
@@ -1610,7 +1612,7 @@
           <a:p>
             <a:fld id="{DF9F85F1-8CA6-D44C-86D8-D812A5DAD618}" type="datetimeFigureOut">
               <a:rPr lang="en-US" smtClean="0"/>
-              <a:t>1/27/25</a:t>
+              <a:t>2/4/25</a:t>
             </a:fld>
             <a:endParaRPr lang="en-US"/>
           </a:p>
@@ -1728,7 +1730,7 @@
           <a:p>
             <a:fld id="{DF9F85F1-8CA6-D44C-86D8-D812A5DAD618}" type="datetimeFigureOut">
               <a:rPr lang="en-US" smtClean="0"/>
-              <a:t>1/27/25</a:t>
+              <a:t>2/4/25</a:t>
             </a:fld>
             <a:endParaRPr lang="en-US"/>
           </a:p>
@@ -1823,7 +1825,7 @@
           <a:p>
             <a:fld id="{DF9F85F1-8CA6-D44C-86D8-D812A5DAD618}" type="datetimeFigureOut">
               <a:rPr lang="en-US" smtClean="0"/>
-              <a:t>1/27/25</a:t>
+              <a:t>2/4/25</a:t>
             </a:fld>
             <a:endParaRPr lang="en-US"/>
           </a:p>
@@ -2100,7 +2102,7 @@
           <a:p>
             <a:fld id="{DF9F85F1-8CA6-D44C-86D8-D812A5DAD618}" type="datetimeFigureOut">
               <a:rPr lang="en-US" smtClean="0"/>
-              <a:t>1/27/25</a:t>
+              <a:t>2/4/25</a:t>
             </a:fld>
             <a:endParaRPr lang="en-US"/>
           </a:p>
@@ -2357,7 +2359,7 @@
           <a:p>
             <a:fld id="{DF9F85F1-8CA6-D44C-86D8-D812A5DAD618}" type="datetimeFigureOut">
               <a:rPr lang="en-US" smtClean="0"/>
-              <a:t>1/27/25</a:t>
+              <a:t>2/4/25</a:t>
             </a:fld>
             <a:endParaRPr lang="en-US"/>
           </a:p>
@@ -2570,7 +2572,7 @@
           <a:p>
             <a:fld id="{DF9F85F1-8CA6-D44C-86D8-D812A5DAD618}" type="datetimeFigureOut">
               <a:rPr lang="en-US" smtClean="0"/>
-              <a:t>1/27/25</a:t>
+              <a:t>2/4/25</a:t>
             </a:fld>
             <a:endParaRPr lang="en-US"/>
           </a:p>
@@ -4744,10 +4746,10 @@
       </p:grpSpPr>
       <p:pic>
         <p:nvPicPr>
-          <p:cNvPr id="1054" name="Picture 2" descr="Database Logo Images – Browse 65,296 Stock Photos, Vectors ...">
-            <a:extLst>
-              <a:ext uri="{FF2B5EF4-FFF2-40B4-BE49-F238E27FC236}">
-                <a16:creationId xmlns:a16="http://schemas.microsoft.com/office/drawing/2014/main" id="{476F8ECC-B210-AE91-8B7C-1E7E1F14AA36}"/>
+          <p:cNvPr id="86" name="Picture 2" descr="Database Logo Images – Browse 65,296 Stock Photos, Vectors ...">
+            <a:extLst>
+              <a:ext uri="{FF2B5EF4-FFF2-40B4-BE49-F238E27FC236}">
+                <a16:creationId xmlns:a16="http://schemas.microsoft.com/office/drawing/2014/main" id="{20C65EB3-7333-AE92-C7CC-7DEF3E2FCC6E}"/>
               </a:ext>
             </a:extLst>
           </p:cNvPr>
@@ -4771,7 +4773,7 @@
         </p:blipFill>
         <p:spPr bwMode="auto">
           <a:xfrm>
-            <a:off x="5276610" y="3809173"/>
+            <a:off x="434277" y="3177923"/>
             <a:ext cx="1589087" cy="1589087"/>
           </a:xfrm>
           <a:prstGeom prst="rect">
@@ -4791,10 +4793,10 @@
       </p:pic>
       <p:pic>
         <p:nvPicPr>
-          <p:cNvPr id="86" name="Picture 2" descr="Database Logo Images – Browse 65,296 Stock Photos, Vectors ...">
-            <a:extLst>
-              <a:ext uri="{FF2B5EF4-FFF2-40B4-BE49-F238E27FC236}">
-                <a16:creationId xmlns:a16="http://schemas.microsoft.com/office/drawing/2014/main" id="{20C65EB3-7333-AE92-C7CC-7DEF3E2FCC6E}"/>
+          <p:cNvPr id="1026" name="Picture 2" descr="Database Logo Images – Browse 65,296 Stock Photos, Vectors ...">
+            <a:extLst>
+              <a:ext uri="{FF2B5EF4-FFF2-40B4-BE49-F238E27FC236}">
+                <a16:creationId xmlns:a16="http://schemas.microsoft.com/office/drawing/2014/main" id="{766263FD-61A8-78EC-DEE1-A5B7F889C7F3}"/>
               </a:ext>
             </a:extLst>
           </p:cNvPr>
@@ -4818,7 +4820,7 @@
         </p:blipFill>
         <p:spPr bwMode="auto">
           <a:xfrm>
-            <a:off x="434277" y="3177923"/>
+            <a:off x="615495" y="472350"/>
             <a:ext cx="1589087" cy="1589087"/>
           </a:xfrm>
           <a:prstGeom prst="rect">
@@ -4836,53 +4838,6 @@
           </a:extLst>
         </p:spPr>
       </p:pic>
-      <p:pic>
-        <p:nvPicPr>
-          <p:cNvPr id="1026" name="Picture 2" descr="Database Logo Images – Browse 65,296 Stock Photos, Vectors ...">
-            <a:extLst>
-              <a:ext uri="{FF2B5EF4-FFF2-40B4-BE49-F238E27FC236}">
-                <a16:creationId xmlns:a16="http://schemas.microsoft.com/office/drawing/2014/main" id="{766263FD-61A8-78EC-DEE1-A5B7F889C7F3}"/>
-              </a:ext>
-            </a:extLst>
-          </p:cNvPr>
-          <p:cNvPicPr>
-            <a:picLocks noChangeAspect="1" noChangeArrowheads="1"/>
-          </p:cNvPicPr>
-          <p:nvPr/>
-        </p:nvPicPr>
-        <p:blipFill>
-          <a:blip r:embed="rId2">
-            <a:extLst>
-              <a:ext uri="{28A0092B-C50C-407E-A947-70E740481C1C}">
-                <a14:useLocalDpi xmlns:a14="http://schemas.microsoft.com/office/drawing/2010/main" val="0"/>
-              </a:ext>
-            </a:extLst>
-          </a:blip>
-          <a:srcRect/>
-          <a:stretch>
-            <a:fillRect/>
-          </a:stretch>
-        </p:blipFill>
-        <p:spPr bwMode="auto">
-          <a:xfrm>
-            <a:off x="615495" y="472350"/>
-            <a:ext cx="1589087" cy="1589087"/>
-          </a:xfrm>
-          <a:prstGeom prst="rect">
-            <a:avLst/>
-          </a:prstGeom>
-          <a:noFill/>
-          <a:extLst>
-            <a:ext uri="{909E8E84-426E-40DD-AFC4-6F175D3DCCD1}">
-              <a14:hiddenFill xmlns:a14="http://schemas.microsoft.com/office/drawing/2010/main">
-                <a:solidFill>
-                  <a:srgbClr val="FFFFFF"/>
-                </a:solidFill>
-              </a14:hiddenFill>
-            </a:ext>
-          </a:extLst>
-        </p:spPr>
-      </p:pic>
       <p:sp>
         <p:nvSpPr>
           <p:cNvPr id="115" name="Rectangle 114">
@@ -5088,8 +5043,8 @@
         </p:nvSpPr>
         <p:spPr>
           <a:xfrm>
-            <a:off x="7898424" y="2225419"/>
-            <a:ext cx="1339285" cy="523220"/>
+            <a:off x="7936643" y="2447127"/>
+            <a:ext cx="1339285" cy="307777"/>
           </a:xfrm>
           <a:prstGeom prst="rect">
             <a:avLst/>
@@ -5114,70 +5069,18 @@
           <a:p>
             <a:r>
               <a:rPr lang="en-US" sz="1400" dirty="0" err="1"/>
-              <a:t>Xarray</a:t>
-            </a:r>
-            <a:r>
-              <a:rPr lang="en-US" sz="1400" dirty="0"/>
-              <a:t> to </a:t>
-            </a:r>
-          </a:p>
-          <a:p>
-            <a:r>
-              <a:rPr lang="en-US" sz="1400" dirty="0" err="1"/>
               <a:t>BrainDecode</a:t>
             </a:r>
             <a:endParaRPr lang="en-US" sz="1400" dirty="0"/>
-          </a:p>
-        </p:txBody>
-      </p:sp>
-      <p:sp>
-        <p:nvSpPr>
-          <p:cNvPr id="19" name="TextBox 18">
-            <a:extLst>
-              <a:ext uri="{FF2B5EF4-FFF2-40B4-BE49-F238E27FC236}">
-                <a16:creationId xmlns:a16="http://schemas.microsoft.com/office/drawing/2014/main" id="{00FA4592-17A0-C5D7-C17C-3B599055999D}"/>
-              </a:ext>
-            </a:extLst>
-          </p:cNvPr>
-          <p:cNvSpPr txBox="1"/>
-          <p:nvPr/>
-        </p:nvSpPr>
-        <p:spPr>
-          <a:xfrm>
-            <a:off x="5676451" y="5016662"/>
-            <a:ext cx="1975944" cy="307777"/>
-          </a:xfrm>
-          <a:prstGeom prst="rect">
-            <a:avLst/>
-          </a:prstGeom>
-          <a:noFill/>
-          <a:ln>
-            <a:noFill/>
-          </a:ln>
-        </p:spPr>
-        <p:txBody>
-          <a:bodyPr wrap="square" rtlCol="0">
-            <a:spAutoFit/>
-          </a:bodyPr>
-          <a:lstStyle/>
-          <a:p>
-            <a:r>
-              <a:rPr lang="en-US" sz="1400" dirty="0" err="1"/>
-              <a:t>Xarray</a:t>
-            </a:r>
-            <a:r>
-              <a:rPr lang="en-US" sz="1400" dirty="0"/>
-              <a:t> cache</a:t>
-            </a:r>
           </a:p>
         </p:txBody>
       </p:sp>
       <p:cxnSp>
         <p:nvCxnSpPr>
-          <p:cNvPr id="21" name="Straight Arrow Connector 20">
-            <a:extLst>
-              <a:ext uri="{FF2B5EF4-FFF2-40B4-BE49-F238E27FC236}">
-                <a16:creationId xmlns:a16="http://schemas.microsoft.com/office/drawing/2014/main" id="{D7C335D9-F7E0-C71A-9381-4A6B8491372E}"/>
+          <p:cNvPr id="23" name="Straight Arrow Connector 22">
+            <a:extLst>
+              <a:ext uri="{FF2B5EF4-FFF2-40B4-BE49-F238E27FC236}">
+                <a16:creationId xmlns:a16="http://schemas.microsoft.com/office/drawing/2014/main" id="{A3CCA788-696F-DFB4-8F6B-73A423939BC3}"/>
               </a:ext>
             </a:extLst>
           </p:cNvPr>
@@ -5187,15 +5090,14 @@
           <p:nvPr/>
         </p:nvCxnSpPr>
         <p:spPr>
-          <a:xfrm>
-            <a:off x="5162319" y="2899898"/>
-            <a:ext cx="445089" cy="250896"/>
+          <a:xfrm flipH="1" flipV="1">
+            <a:off x="2983887" y="2966038"/>
+            <a:ext cx="7889" cy="2713755"/>
           </a:xfrm>
           <a:prstGeom prst="straightConnector1">
             <a:avLst/>
           </a:prstGeom>
           <a:ln>
-            <a:headEnd type="triangle"/>
             <a:tailEnd type="triangle"/>
           </a:ln>
         </p:spPr>
@@ -5214,47 +5116,6 @@
           </a:fontRef>
         </p:style>
       </p:cxnSp>
-      <p:cxnSp>
-        <p:nvCxnSpPr>
-          <p:cNvPr id="23" name="Straight Arrow Connector 22">
-            <a:extLst>
-              <a:ext uri="{FF2B5EF4-FFF2-40B4-BE49-F238E27FC236}">
-                <a16:creationId xmlns:a16="http://schemas.microsoft.com/office/drawing/2014/main" id="{A3CCA788-696F-DFB4-8F6B-73A423939BC3}"/>
-              </a:ext>
-            </a:extLst>
-          </p:cNvPr>
-          <p:cNvCxnSpPr>
-            <a:cxnSpLocks/>
-          </p:cNvCxnSpPr>
-          <p:nvPr/>
-        </p:nvCxnSpPr>
-        <p:spPr>
-          <a:xfrm flipH="1" flipV="1">
-            <a:off x="2983887" y="2966038"/>
-            <a:ext cx="7889" cy="2713755"/>
-          </a:xfrm>
-          <a:prstGeom prst="straightConnector1">
-            <a:avLst/>
-          </a:prstGeom>
-          <a:ln>
-            <a:tailEnd type="triangle"/>
-          </a:ln>
-        </p:spPr>
-        <p:style>
-          <a:lnRef idx="2">
-            <a:schemeClr val="accent1"/>
-          </a:lnRef>
-          <a:fillRef idx="0">
-            <a:schemeClr val="accent1"/>
-          </a:fillRef>
-          <a:effectRef idx="1">
-            <a:schemeClr val="accent1"/>
-          </a:effectRef>
-          <a:fontRef idx="minor">
-            <a:schemeClr val="tx1"/>
-          </a:fontRef>
-        </p:style>
-      </p:cxnSp>
       <p:sp>
         <p:nvSpPr>
           <p:cNvPr id="24" name="TextBox 23">
@@ -5317,9 +5178,9 @@
           <p:nvPr/>
         </p:nvCxnSpPr>
         <p:spPr>
-          <a:xfrm>
-            <a:off x="9237709" y="2487029"/>
-            <a:ext cx="1918765" cy="0"/>
+          <a:xfrm flipV="1">
+            <a:off x="9275928" y="2588365"/>
+            <a:ext cx="1866750" cy="12651"/>
           </a:xfrm>
           <a:prstGeom prst="straightConnector1">
             <a:avLst/>
@@ -6137,7 +5998,7 @@
             </a:r>
             <a:r>
               <a:rPr lang="en-US" dirty="0"/>
-              <a:t> S3/Zarr</a:t>
+              <a:t> S3</a:t>
             </a:r>
           </a:p>
         </p:txBody>
@@ -6294,8 +6155,8 @@
         </p:nvSpPr>
         <p:spPr>
           <a:xfrm rot="18134753">
-            <a:off x="2311963" y="660543"/>
-            <a:ext cx="335955" cy="1302411"/>
+            <a:off x="2056823" y="1345009"/>
+            <a:ext cx="335955" cy="889411"/>
           </a:xfrm>
           <a:prstGeom prst="upDownArrow">
             <a:avLst/>
@@ -6457,48 +6318,6 @@
       </p:cxnSp>
       <p:cxnSp>
         <p:nvCxnSpPr>
-          <p:cNvPr id="113" name="Straight Arrow Connector 112">
-            <a:extLst>
-              <a:ext uri="{FF2B5EF4-FFF2-40B4-BE49-F238E27FC236}">
-                <a16:creationId xmlns:a16="http://schemas.microsoft.com/office/drawing/2014/main" id="{7F716F0B-5EE8-57EC-72EA-F90C480A51CD}"/>
-              </a:ext>
-            </a:extLst>
-          </p:cNvPr>
-          <p:cNvCxnSpPr>
-            <a:cxnSpLocks/>
-            <a:stCxn id="69" idx="3"/>
-          </p:cNvCxnSpPr>
-          <p:nvPr/>
-        </p:nvCxnSpPr>
-        <p:spPr>
-          <a:xfrm>
-            <a:off x="5142886" y="2471378"/>
-            <a:ext cx="2716876" cy="15651"/>
-          </a:xfrm>
-          <a:prstGeom prst="straightConnector1">
-            <a:avLst/>
-          </a:prstGeom>
-          <a:ln>
-            <a:tailEnd type="triangle"/>
-          </a:ln>
-        </p:spPr>
-        <p:style>
-          <a:lnRef idx="2">
-            <a:schemeClr val="accent1"/>
-          </a:lnRef>
-          <a:fillRef idx="0">
-            <a:schemeClr val="accent1"/>
-          </a:fillRef>
-          <a:effectRef idx="1">
-            <a:schemeClr val="accent1"/>
-          </a:effectRef>
-          <a:fontRef idx="minor">
-            <a:schemeClr val="tx1"/>
-          </a:fontRef>
-        </p:style>
-      </p:cxnSp>
-      <p:cxnSp>
-        <p:nvCxnSpPr>
           <p:cNvPr id="1031" name="Straight Arrow Connector 1030">
             <a:extLst>
               <a:ext uri="{FF2B5EF4-FFF2-40B4-BE49-F238E27FC236}">
@@ -6590,14 +6409,13 @@
           </p:cNvPr>
           <p:cNvCxnSpPr>
             <a:cxnSpLocks/>
-            <a:endCxn id="1055" idx="3"/>
           </p:cNvCxnSpPr>
           <p:nvPr/>
         </p:nvCxnSpPr>
         <p:spPr>
-          <a:xfrm flipH="1" flipV="1">
-            <a:off x="6973567" y="3121174"/>
-            <a:ext cx="5089892" cy="26759"/>
+          <a:xfrm>
+            <a:off x="8615581" y="2854768"/>
+            <a:ext cx="0" cy="330348"/>
           </a:xfrm>
           <a:prstGeom prst="straightConnector1">
             <a:avLst/>
@@ -6621,48 +6439,6 @@
           </a:fontRef>
         </p:style>
       </p:cxnSp>
-      <p:cxnSp>
-        <p:nvCxnSpPr>
-          <p:cNvPr id="1050" name="Straight Arrow Connector 1049">
-            <a:extLst>
-              <a:ext uri="{FF2B5EF4-FFF2-40B4-BE49-F238E27FC236}">
-                <a16:creationId xmlns:a16="http://schemas.microsoft.com/office/drawing/2014/main" id="{44BBDC36-DE32-04A4-4927-081C733FAFA5}"/>
-              </a:ext>
-            </a:extLst>
-          </p:cNvPr>
-          <p:cNvCxnSpPr>
-            <a:cxnSpLocks/>
-            <a:endCxn id="30" idx="2"/>
-          </p:cNvCxnSpPr>
-          <p:nvPr/>
-        </p:nvCxnSpPr>
-        <p:spPr>
-          <a:xfrm flipV="1">
-            <a:off x="12063459" y="2796480"/>
-            <a:ext cx="1" cy="381443"/>
-          </a:xfrm>
-          <a:prstGeom prst="straightConnector1">
-            <a:avLst/>
-          </a:prstGeom>
-          <a:ln>
-            <a:tailEnd type="none"/>
-          </a:ln>
-        </p:spPr>
-        <p:style>
-          <a:lnRef idx="2">
-            <a:schemeClr val="accent1"/>
-          </a:lnRef>
-          <a:fillRef idx="0">
-            <a:schemeClr val="accent1"/>
-          </a:fillRef>
-          <a:effectRef idx="1">
-            <a:schemeClr val="accent1"/>
-          </a:effectRef>
-          <a:fontRef idx="minor">
-            <a:schemeClr val="tx1"/>
-          </a:fontRef>
-        </p:style>
-      </p:cxnSp>
       <p:sp>
         <p:nvSpPr>
           <p:cNvPr id="1055" name="TextBox 1054">
@@ -6677,8 +6453,8 @@
         </p:nvSpPr>
         <p:spPr>
           <a:xfrm>
-            <a:off x="5634282" y="2859564"/>
-            <a:ext cx="1339285" cy="523220"/>
+            <a:off x="5572123" y="2406678"/>
+            <a:ext cx="1008278" cy="307777"/>
           </a:xfrm>
           <a:prstGeom prst="rect">
             <a:avLst/>
@@ -6702,22 +6478,370 @@
           <a:lstStyle/>
           <a:p>
             <a:r>
+              <a:rPr lang="en-US" sz="1400" dirty="0"/>
+              <a:t>Dictionary</a:t>
+            </a:r>
+          </a:p>
+        </p:txBody>
+      </p:sp>
+      <p:sp>
+        <p:nvSpPr>
+          <p:cNvPr id="1065" name="TextBox 1064">
+            <a:extLst>
+              <a:ext uri="{FF2B5EF4-FFF2-40B4-BE49-F238E27FC236}">
+                <a16:creationId xmlns:a16="http://schemas.microsoft.com/office/drawing/2014/main" id="{7F9505FA-2479-976B-A5AB-96E04274449F}"/>
+              </a:ext>
+            </a:extLst>
+          </p:cNvPr>
+          <p:cNvSpPr txBox="1"/>
+          <p:nvPr/>
+        </p:nvSpPr>
+        <p:spPr>
+          <a:xfrm>
+            <a:off x="4405115" y="1003793"/>
+            <a:ext cx="1372943" cy="523220"/>
+          </a:xfrm>
+          <a:prstGeom prst="rect">
+            <a:avLst/>
+          </a:prstGeom>
+          <a:solidFill>
+            <a:schemeClr val="accent2">
+              <a:lumMod val="40000"/>
+              <a:lumOff val="60000"/>
+            </a:schemeClr>
+          </a:solidFill>
+          <a:ln>
+            <a:solidFill>
+              <a:schemeClr val="tx1"/>
+            </a:solidFill>
+          </a:ln>
+        </p:spPr>
+        <p:txBody>
+          <a:bodyPr wrap="square" rtlCol="0">
+            <a:spAutoFit/>
+          </a:bodyPr>
+          <a:lstStyle/>
+          <a:p>
+            <a:r>
+              <a:rPr lang="en-US" sz="1400" dirty="0"/>
+              <a:t>Load cache vs </a:t>
+            </a:r>
+            <a:r>
+              <a:rPr lang="en-US" sz="1400" dirty="0" err="1"/>
+              <a:t>signalstore</a:t>
+            </a:r>
+            <a:endParaRPr lang="en-US" sz="1400" dirty="0"/>
+          </a:p>
+        </p:txBody>
+      </p:sp>
+      <p:cxnSp>
+        <p:nvCxnSpPr>
+          <p:cNvPr id="1067" name="Straight Arrow Connector 1066">
+            <a:extLst>
+              <a:ext uri="{FF2B5EF4-FFF2-40B4-BE49-F238E27FC236}">
+                <a16:creationId xmlns:a16="http://schemas.microsoft.com/office/drawing/2014/main" id="{7313D125-354C-DDFE-44E1-A79F816C4D00}"/>
+              </a:ext>
+            </a:extLst>
+          </p:cNvPr>
+          <p:cNvCxnSpPr>
+            <a:cxnSpLocks/>
+          </p:cNvCxnSpPr>
+          <p:nvPr/>
+        </p:nvCxnSpPr>
+        <p:spPr>
+          <a:xfrm>
+            <a:off x="4898104" y="1544946"/>
+            <a:ext cx="0" cy="449378"/>
+          </a:xfrm>
+          <a:prstGeom prst="straightConnector1">
+            <a:avLst/>
+          </a:prstGeom>
+          <a:ln>
+            <a:tailEnd type="triangle"/>
+          </a:ln>
+        </p:spPr>
+        <p:style>
+          <a:lnRef idx="2">
+            <a:schemeClr val="accent1"/>
+          </a:lnRef>
+          <a:fillRef idx="0">
+            <a:schemeClr val="accent1"/>
+          </a:fillRef>
+          <a:effectRef idx="1">
+            <a:schemeClr val="accent1"/>
+          </a:effectRef>
+          <a:fontRef idx="minor">
+            <a:schemeClr val="tx1"/>
+          </a:fontRef>
+        </p:style>
+      </p:cxnSp>
+      <p:cxnSp>
+        <p:nvCxnSpPr>
+          <p:cNvPr id="1068" name="Straight Arrow Connector 1067">
+            <a:extLst>
+              <a:ext uri="{FF2B5EF4-FFF2-40B4-BE49-F238E27FC236}">
+                <a16:creationId xmlns:a16="http://schemas.microsoft.com/office/drawing/2014/main" id="{2096047F-CE8F-E947-8D3A-87E35DF69BE5}"/>
+              </a:ext>
+            </a:extLst>
+          </p:cNvPr>
+          <p:cNvCxnSpPr>
+            <a:cxnSpLocks/>
+            <a:endCxn id="1055" idx="0"/>
+          </p:cNvCxnSpPr>
+          <p:nvPr/>
+        </p:nvCxnSpPr>
+        <p:spPr>
+          <a:xfrm>
+            <a:off x="5355986" y="1527013"/>
+            <a:ext cx="720276" cy="879665"/>
+          </a:xfrm>
+          <a:prstGeom prst="straightConnector1">
+            <a:avLst/>
+          </a:prstGeom>
+          <a:ln>
+            <a:tailEnd type="triangle"/>
+          </a:ln>
+        </p:spPr>
+        <p:style>
+          <a:lnRef idx="2">
+            <a:schemeClr val="accent1"/>
+          </a:lnRef>
+          <a:fillRef idx="0">
+            <a:schemeClr val="accent1"/>
+          </a:fillRef>
+          <a:effectRef idx="1">
+            <a:schemeClr val="accent1"/>
+          </a:effectRef>
+          <a:fontRef idx="minor">
+            <a:schemeClr val="tx1"/>
+          </a:fontRef>
+        </p:style>
+      </p:cxnSp>
+      <p:cxnSp>
+        <p:nvCxnSpPr>
+          <p:cNvPr id="1070" name="Straight Arrow Connector 1069">
+            <a:extLst>
+              <a:ext uri="{FF2B5EF4-FFF2-40B4-BE49-F238E27FC236}">
+                <a16:creationId xmlns:a16="http://schemas.microsoft.com/office/drawing/2014/main" id="{139AB74C-AFFB-DFBC-F47E-D2AA5E25CEC6}"/>
+              </a:ext>
+            </a:extLst>
+          </p:cNvPr>
+          <p:cNvCxnSpPr>
+            <a:cxnSpLocks/>
+          </p:cNvCxnSpPr>
+          <p:nvPr/>
+        </p:nvCxnSpPr>
+        <p:spPr>
+          <a:xfrm>
+            <a:off x="9285224" y="3469313"/>
+            <a:ext cx="5724484" cy="302915"/>
+          </a:xfrm>
+          <a:prstGeom prst="straightConnector1">
+            <a:avLst/>
+          </a:prstGeom>
+          <a:ln>
+            <a:tailEnd type="triangle"/>
+          </a:ln>
+        </p:spPr>
+        <p:style>
+          <a:lnRef idx="2">
+            <a:schemeClr val="accent1"/>
+          </a:lnRef>
+          <a:fillRef idx="0">
+            <a:schemeClr val="accent1"/>
+          </a:fillRef>
+          <a:effectRef idx="1">
+            <a:schemeClr val="accent1"/>
+          </a:effectRef>
+          <a:fontRef idx="minor">
+            <a:schemeClr val="tx1"/>
+          </a:fontRef>
+        </p:style>
+      </p:cxnSp>
+      <p:cxnSp>
+        <p:nvCxnSpPr>
+          <p:cNvPr id="1072" name="Straight Arrow Connector 1071">
+            <a:extLst>
+              <a:ext uri="{FF2B5EF4-FFF2-40B4-BE49-F238E27FC236}">
+                <a16:creationId xmlns:a16="http://schemas.microsoft.com/office/drawing/2014/main" id="{EFDB0B3D-BD17-5A13-CDE8-2EA6E56C6BC0}"/>
+              </a:ext>
+            </a:extLst>
+          </p:cNvPr>
+          <p:cNvCxnSpPr>
+            <a:cxnSpLocks/>
+            <a:stCxn id="30" idx="3"/>
+          </p:cNvCxnSpPr>
+          <p:nvPr/>
+        </p:nvCxnSpPr>
+        <p:spPr>
+          <a:xfrm>
+            <a:off x="12970444" y="2473315"/>
+            <a:ext cx="2039264" cy="1298913"/>
+          </a:xfrm>
+          <a:prstGeom prst="straightConnector1">
+            <a:avLst/>
+          </a:prstGeom>
+          <a:ln>
+            <a:tailEnd type="triangle"/>
+          </a:ln>
+        </p:spPr>
+        <p:style>
+          <a:lnRef idx="2">
+            <a:schemeClr val="accent1"/>
+          </a:lnRef>
+          <a:fillRef idx="0">
+            <a:schemeClr val="accent1"/>
+          </a:fillRef>
+          <a:effectRef idx="1">
+            <a:schemeClr val="accent1"/>
+          </a:effectRef>
+          <a:fontRef idx="minor">
+            <a:schemeClr val="tx1"/>
+          </a:fontRef>
+        </p:style>
+      </p:cxnSp>
+      <p:sp>
+        <p:nvSpPr>
+          <p:cNvPr id="1077" name="TextBox 1076">
+            <a:extLst>
+              <a:ext uri="{FF2B5EF4-FFF2-40B4-BE49-F238E27FC236}">
+                <a16:creationId xmlns:a16="http://schemas.microsoft.com/office/drawing/2014/main" id="{295EC935-BA6C-AC79-3853-2605596EF2BC}"/>
+              </a:ext>
+            </a:extLst>
+          </p:cNvPr>
+          <p:cNvSpPr txBox="1"/>
+          <p:nvPr/>
+        </p:nvSpPr>
+        <p:spPr>
+          <a:xfrm rot="2090507">
+            <a:off x="13639154" y="3015053"/>
+            <a:ext cx="1491538" cy="276999"/>
+          </a:xfrm>
+          <a:prstGeom prst="rect">
+            <a:avLst/>
+          </a:prstGeom>
+          <a:noFill/>
+        </p:spPr>
+        <p:txBody>
+          <a:bodyPr wrap="square">
+            <a:spAutoFit/>
+          </a:bodyPr>
+          <a:lstStyle/>
+          <a:p>
+            <a:r>
+              <a:rPr lang="en-US" sz="1200" dirty="0" err="1"/>
+              <a:t>BrainDecode</a:t>
+            </a:r>
+            <a:r>
+              <a:rPr lang="en-US" sz="1200" dirty="0"/>
+              <a:t> object</a:t>
+            </a:r>
+          </a:p>
+        </p:txBody>
+      </p:sp>
+      <p:sp>
+        <p:nvSpPr>
+          <p:cNvPr id="1078" name="TextBox 1077">
+            <a:extLst>
+              <a:ext uri="{FF2B5EF4-FFF2-40B4-BE49-F238E27FC236}">
+                <a16:creationId xmlns:a16="http://schemas.microsoft.com/office/drawing/2014/main" id="{D6CB6AEE-683F-CA19-F2F3-3C7ECC25FD75}"/>
+              </a:ext>
+            </a:extLst>
+          </p:cNvPr>
+          <p:cNvSpPr txBox="1"/>
+          <p:nvPr/>
+        </p:nvSpPr>
+        <p:spPr>
+          <a:xfrm>
+            <a:off x="7945939" y="3207756"/>
+            <a:ext cx="1339285" cy="523220"/>
+          </a:xfrm>
+          <a:prstGeom prst="rect">
+            <a:avLst/>
+          </a:prstGeom>
+          <a:solidFill>
+            <a:schemeClr val="accent2">
+              <a:lumMod val="40000"/>
+              <a:lumOff val="60000"/>
+            </a:schemeClr>
+          </a:solidFill>
+          <a:ln>
+            <a:solidFill>
+              <a:schemeClr val="tx1"/>
+            </a:solidFill>
+          </a:ln>
+        </p:spPr>
+        <p:txBody>
+          <a:bodyPr wrap="square" rtlCol="0">
+            <a:spAutoFit/>
+          </a:bodyPr>
+          <a:lstStyle/>
+          <a:p>
+            <a:r>
               <a:rPr lang="en-US" sz="1400" dirty="0" err="1"/>
               <a:t>Xarray</a:t>
             </a:r>
             <a:r>
               <a:rPr lang="en-US" sz="1400" dirty="0"/>
-              <a:t> cache read/write</a:t>
-            </a:r>
-          </a:p>
-        </p:txBody>
-      </p:sp>
-      <p:sp>
-        <p:nvSpPr>
-          <p:cNvPr id="1061" name="Up-Down Arrow 1060">
-            <a:extLst>
-              <a:ext uri="{FF2B5EF4-FFF2-40B4-BE49-F238E27FC236}">
-                <a16:creationId xmlns:a16="http://schemas.microsoft.com/office/drawing/2014/main" id="{755E7547-986B-372F-9EAB-4BA037D0152A}"/>
+              <a:t> to </a:t>
+            </a:r>
+          </a:p>
+          <a:p>
+            <a:r>
+              <a:rPr lang="en-US" sz="1400" dirty="0" err="1"/>
+              <a:t>Pytorch</a:t>
+            </a:r>
+            <a:endParaRPr lang="en-US" sz="1400" dirty="0"/>
+          </a:p>
+        </p:txBody>
+      </p:sp>
+      <p:cxnSp>
+        <p:nvCxnSpPr>
+          <p:cNvPr id="1080" name="Straight Arrow Connector 1079">
+            <a:extLst>
+              <a:ext uri="{FF2B5EF4-FFF2-40B4-BE49-F238E27FC236}">
+                <a16:creationId xmlns:a16="http://schemas.microsoft.com/office/drawing/2014/main" id="{89DD13E4-F3AA-E35B-CFAB-18A59899581A}"/>
+              </a:ext>
+            </a:extLst>
+          </p:cNvPr>
+          <p:cNvCxnSpPr>
+            <a:cxnSpLocks/>
+          </p:cNvCxnSpPr>
+          <p:nvPr/>
+        </p:nvCxnSpPr>
+        <p:spPr>
+          <a:xfrm>
+            <a:off x="6604258" y="2588365"/>
+            <a:ext cx="1265966" cy="0"/>
+          </a:xfrm>
+          <a:prstGeom prst="straightConnector1">
+            <a:avLst/>
+          </a:prstGeom>
+          <a:ln>
+            <a:tailEnd type="triangle"/>
+          </a:ln>
+        </p:spPr>
+        <p:style>
+          <a:lnRef idx="2">
+            <a:schemeClr val="accent1"/>
+          </a:lnRef>
+          <a:fillRef idx="0">
+            <a:schemeClr val="accent1"/>
+          </a:fillRef>
+          <a:effectRef idx="1">
+            <a:schemeClr val="accent1"/>
+          </a:effectRef>
+          <a:fontRef idx="minor">
+            <a:schemeClr val="tx1"/>
+          </a:fontRef>
+        </p:style>
+      </p:cxnSp>
+      <p:sp>
+        <p:nvSpPr>
+          <p:cNvPr id="18" name="Up-Down Arrow 17">
+            <a:extLst>
+              <a:ext uri="{FF2B5EF4-FFF2-40B4-BE49-F238E27FC236}">
+                <a16:creationId xmlns:a16="http://schemas.microsoft.com/office/drawing/2014/main" id="{4118EA57-0614-C5C2-35F6-186B142B4AEC}"/>
               </a:ext>
             </a:extLst>
           </p:cNvPr>
@@ -6725,9 +6849,9 @@
           <p:nvPr/>
         </p:nvSpPr>
         <p:spPr>
-          <a:xfrm rot="10800000">
-            <a:off x="5937225" y="3462417"/>
-            <a:ext cx="335955" cy="619623"/>
+          <a:xfrm rot="16200000">
+            <a:off x="2944399" y="56732"/>
+            <a:ext cx="335955" cy="2281947"/>
           </a:xfrm>
           <a:prstGeom prst="upDownArrow">
             <a:avLst/>
@@ -6756,359 +6880,6 @@
           </a:p>
         </p:txBody>
       </p:sp>
-      <p:sp>
-        <p:nvSpPr>
-          <p:cNvPr id="1065" name="TextBox 1064">
-            <a:extLst>
-              <a:ext uri="{FF2B5EF4-FFF2-40B4-BE49-F238E27FC236}">
-                <a16:creationId xmlns:a16="http://schemas.microsoft.com/office/drawing/2014/main" id="{7F9505FA-2479-976B-A5AB-96E04274449F}"/>
-              </a:ext>
-            </a:extLst>
-          </p:cNvPr>
-          <p:cNvSpPr txBox="1"/>
-          <p:nvPr/>
-        </p:nvSpPr>
-        <p:spPr>
-          <a:xfrm>
-            <a:off x="4405115" y="1003793"/>
-            <a:ext cx="1372943" cy="523220"/>
-          </a:xfrm>
-          <a:prstGeom prst="rect">
-            <a:avLst/>
-          </a:prstGeom>
-          <a:solidFill>
-            <a:schemeClr val="accent2">
-              <a:lumMod val="40000"/>
-              <a:lumOff val="60000"/>
-            </a:schemeClr>
-          </a:solidFill>
-          <a:ln>
-            <a:solidFill>
-              <a:schemeClr val="tx1"/>
-            </a:solidFill>
-          </a:ln>
-        </p:spPr>
-        <p:txBody>
-          <a:bodyPr wrap="square" rtlCol="0">
-            <a:spAutoFit/>
-          </a:bodyPr>
-          <a:lstStyle/>
-          <a:p>
-            <a:r>
-              <a:rPr lang="en-US" sz="1400" dirty="0"/>
-              <a:t>Load cache vs </a:t>
-            </a:r>
-            <a:r>
-              <a:rPr lang="en-US" sz="1400" dirty="0" err="1"/>
-              <a:t>signalstore</a:t>
-            </a:r>
-            <a:endParaRPr lang="en-US" sz="1400" dirty="0"/>
-          </a:p>
-        </p:txBody>
-      </p:sp>
-      <p:cxnSp>
-        <p:nvCxnSpPr>
-          <p:cNvPr id="1067" name="Straight Arrow Connector 1066">
-            <a:extLst>
-              <a:ext uri="{FF2B5EF4-FFF2-40B4-BE49-F238E27FC236}">
-                <a16:creationId xmlns:a16="http://schemas.microsoft.com/office/drawing/2014/main" id="{7313D125-354C-DDFE-44E1-A79F816C4D00}"/>
-              </a:ext>
-            </a:extLst>
-          </p:cNvPr>
-          <p:cNvCxnSpPr>
-            <a:cxnSpLocks/>
-          </p:cNvCxnSpPr>
-          <p:nvPr/>
-        </p:nvCxnSpPr>
-        <p:spPr>
-          <a:xfrm>
-            <a:off x="4898104" y="1544946"/>
-            <a:ext cx="0" cy="495793"/>
-          </a:xfrm>
-          <a:prstGeom prst="straightConnector1">
-            <a:avLst/>
-          </a:prstGeom>
-          <a:ln>
-            <a:tailEnd type="triangle"/>
-          </a:ln>
-        </p:spPr>
-        <p:style>
-          <a:lnRef idx="2">
-            <a:schemeClr val="accent1"/>
-          </a:lnRef>
-          <a:fillRef idx="0">
-            <a:schemeClr val="accent1"/>
-          </a:fillRef>
-          <a:effectRef idx="1">
-            <a:schemeClr val="accent1"/>
-          </a:effectRef>
-          <a:fontRef idx="minor">
-            <a:schemeClr val="tx1"/>
-          </a:fontRef>
-        </p:style>
-      </p:cxnSp>
-      <p:cxnSp>
-        <p:nvCxnSpPr>
-          <p:cNvPr id="1068" name="Straight Arrow Connector 1067">
-            <a:extLst>
-              <a:ext uri="{FF2B5EF4-FFF2-40B4-BE49-F238E27FC236}">
-                <a16:creationId xmlns:a16="http://schemas.microsoft.com/office/drawing/2014/main" id="{2096047F-CE8F-E947-8D3A-87E35DF69BE5}"/>
-              </a:ext>
-            </a:extLst>
-          </p:cNvPr>
-          <p:cNvCxnSpPr>
-            <a:cxnSpLocks/>
-            <a:endCxn id="1055" idx="0"/>
-          </p:cNvCxnSpPr>
-          <p:nvPr/>
-        </p:nvCxnSpPr>
-        <p:spPr>
-          <a:xfrm>
-            <a:off x="5503559" y="1544946"/>
-            <a:ext cx="800366" cy="1314618"/>
-          </a:xfrm>
-          <a:prstGeom prst="straightConnector1">
-            <a:avLst/>
-          </a:prstGeom>
-          <a:ln>
-            <a:tailEnd type="triangle"/>
-          </a:ln>
-        </p:spPr>
-        <p:style>
-          <a:lnRef idx="2">
-            <a:schemeClr val="accent1"/>
-          </a:lnRef>
-          <a:fillRef idx="0">
-            <a:schemeClr val="accent1"/>
-          </a:fillRef>
-          <a:effectRef idx="1">
-            <a:schemeClr val="accent1"/>
-          </a:effectRef>
-          <a:fontRef idx="minor">
-            <a:schemeClr val="tx1"/>
-          </a:fontRef>
-        </p:style>
-      </p:cxnSp>
-      <p:cxnSp>
-        <p:nvCxnSpPr>
-          <p:cNvPr id="1070" name="Straight Arrow Connector 1069">
-            <a:extLst>
-              <a:ext uri="{FF2B5EF4-FFF2-40B4-BE49-F238E27FC236}">
-                <a16:creationId xmlns:a16="http://schemas.microsoft.com/office/drawing/2014/main" id="{139AB74C-AFFB-DFBC-F47E-D2AA5E25CEC6}"/>
-              </a:ext>
-            </a:extLst>
-          </p:cNvPr>
-          <p:cNvCxnSpPr>
-            <a:cxnSpLocks/>
-          </p:cNvCxnSpPr>
-          <p:nvPr/>
-        </p:nvCxnSpPr>
-        <p:spPr>
-          <a:xfrm>
-            <a:off x="9285224" y="3469313"/>
-            <a:ext cx="5724484" cy="302915"/>
-          </a:xfrm>
-          <a:prstGeom prst="straightConnector1">
-            <a:avLst/>
-          </a:prstGeom>
-          <a:ln>
-            <a:tailEnd type="triangle"/>
-          </a:ln>
-        </p:spPr>
-        <p:style>
-          <a:lnRef idx="2">
-            <a:schemeClr val="accent1"/>
-          </a:lnRef>
-          <a:fillRef idx="0">
-            <a:schemeClr val="accent1"/>
-          </a:fillRef>
-          <a:effectRef idx="1">
-            <a:schemeClr val="accent1"/>
-          </a:effectRef>
-          <a:fontRef idx="minor">
-            <a:schemeClr val="tx1"/>
-          </a:fontRef>
-        </p:style>
-      </p:cxnSp>
-      <p:cxnSp>
-        <p:nvCxnSpPr>
-          <p:cNvPr id="1072" name="Straight Arrow Connector 1071">
-            <a:extLst>
-              <a:ext uri="{FF2B5EF4-FFF2-40B4-BE49-F238E27FC236}">
-                <a16:creationId xmlns:a16="http://schemas.microsoft.com/office/drawing/2014/main" id="{EFDB0B3D-BD17-5A13-CDE8-2EA6E56C6BC0}"/>
-              </a:ext>
-            </a:extLst>
-          </p:cNvPr>
-          <p:cNvCxnSpPr>
-            <a:cxnSpLocks/>
-            <a:stCxn id="30" idx="3"/>
-          </p:cNvCxnSpPr>
-          <p:nvPr/>
-        </p:nvCxnSpPr>
-        <p:spPr>
-          <a:xfrm>
-            <a:off x="12970444" y="2473315"/>
-            <a:ext cx="2039264" cy="1298913"/>
-          </a:xfrm>
-          <a:prstGeom prst="straightConnector1">
-            <a:avLst/>
-          </a:prstGeom>
-          <a:ln>
-            <a:tailEnd type="triangle"/>
-          </a:ln>
-        </p:spPr>
-        <p:style>
-          <a:lnRef idx="2">
-            <a:schemeClr val="accent1"/>
-          </a:lnRef>
-          <a:fillRef idx="0">
-            <a:schemeClr val="accent1"/>
-          </a:fillRef>
-          <a:effectRef idx="1">
-            <a:schemeClr val="accent1"/>
-          </a:effectRef>
-          <a:fontRef idx="minor">
-            <a:schemeClr val="tx1"/>
-          </a:fontRef>
-        </p:style>
-      </p:cxnSp>
-      <p:sp>
-        <p:nvSpPr>
-          <p:cNvPr id="1077" name="TextBox 1076">
-            <a:extLst>
-              <a:ext uri="{FF2B5EF4-FFF2-40B4-BE49-F238E27FC236}">
-                <a16:creationId xmlns:a16="http://schemas.microsoft.com/office/drawing/2014/main" id="{295EC935-BA6C-AC79-3853-2605596EF2BC}"/>
-              </a:ext>
-            </a:extLst>
-          </p:cNvPr>
-          <p:cNvSpPr txBox="1"/>
-          <p:nvPr/>
-        </p:nvSpPr>
-        <p:spPr>
-          <a:xfrm rot="2090507">
-            <a:off x="13639154" y="3015053"/>
-            <a:ext cx="1491538" cy="276999"/>
-          </a:xfrm>
-          <a:prstGeom prst="rect">
-            <a:avLst/>
-          </a:prstGeom>
-          <a:noFill/>
-        </p:spPr>
-        <p:txBody>
-          <a:bodyPr wrap="square">
-            <a:spAutoFit/>
-          </a:bodyPr>
-          <a:lstStyle/>
-          <a:p>
-            <a:r>
-              <a:rPr lang="en-US" sz="1200" dirty="0" err="1"/>
-              <a:t>BrainDecode</a:t>
-            </a:r>
-            <a:r>
-              <a:rPr lang="en-US" sz="1200" dirty="0"/>
-              <a:t> object</a:t>
-            </a:r>
-          </a:p>
-        </p:txBody>
-      </p:sp>
-      <p:sp>
-        <p:nvSpPr>
-          <p:cNvPr id="1078" name="TextBox 1077">
-            <a:extLst>
-              <a:ext uri="{FF2B5EF4-FFF2-40B4-BE49-F238E27FC236}">
-                <a16:creationId xmlns:a16="http://schemas.microsoft.com/office/drawing/2014/main" id="{D6CB6AEE-683F-CA19-F2F3-3C7ECC25FD75}"/>
-              </a:ext>
-            </a:extLst>
-          </p:cNvPr>
-          <p:cNvSpPr txBox="1"/>
-          <p:nvPr/>
-        </p:nvSpPr>
-        <p:spPr>
-          <a:xfrm>
-            <a:off x="7945939" y="3207756"/>
-            <a:ext cx="1339285" cy="523220"/>
-          </a:xfrm>
-          <a:prstGeom prst="rect">
-            <a:avLst/>
-          </a:prstGeom>
-          <a:solidFill>
-            <a:schemeClr val="accent2">
-              <a:lumMod val="40000"/>
-              <a:lumOff val="60000"/>
-            </a:schemeClr>
-          </a:solidFill>
-          <a:ln>
-            <a:solidFill>
-              <a:schemeClr val="tx1"/>
-            </a:solidFill>
-          </a:ln>
-        </p:spPr>
-        <p:txBody>
-          <a:bodyPr wrap="square" rtlCol="0">
-            <a:spAutoFit/>
-          </a:bodyPr>
-          <a:lstStyle/>
-          <a:p>
-            <a:r>
-              <a:rPr lang="en-US" sz="1400" dirty="0" err="1"/>
-              <a:t>Xarray</a:t>
-            </a:r>
-            <a:r>
-              <a:rPr lang="en-US" sz="1400" dirty="0"/>
-              <a:t> to </a:t>
-            </a:r>
-          </a:p>
-          <a:p>
-            <a:r>
-              <a:rPr lang="en-US" sz="1400" dirty="0" err="1"/>
-              <a:t>Pytorch</a:t>
-            </a:r>
-            <a:endParaRPr lang="en-US" sz="1400" dirty="0"/>
-          </a:p>
-        </p:txBody>
-      </p:sp>
-      <p:cxnSp>
-        <p:nvCxnSpPr>
-          <p:cNvPr id="1080" name="Straight Arrow Connector 1079">
-            <a:extLst>
-              <a:ext uri="{FF2B5EF4-FFF2-40B4-BE49-F238E27FC236}">
-                <a16:creationId xmlns:a16="http://schemas.microsoft.com/office/drawing/2014/main" id="{89DD13E4-F3AA-E35B-CFAB-18A59899581A}"/>
-              </a:ext>
-            </a:extLst>
-          </p:cNvPr>
-          <p:cNvCxnSpPr>
-            <a:cxnSpLocks/>
-            <a:endCxn id="1078" idx="1"/>
-          </p:cNvCxnSpPr>
-          <p:nvPr/>
-        </p:nvCxnSpPr>
-        <p:spPr>
-          <a:xfrm>
-            <a:off x="6973567" y="3164528"/>
-            <a:ext cx="972372" cy="304838"/>
-          </a:xfrm>
-          <a:prstGeom prst="straightConnector1">
-            <a:avLst/>
-          </a:prstGeom>
-          <a:ln>
-            <a:tailEnd type="triangle"/>
-          </a:ln>
-        </p:spPr>
-        <p:style>
-          <a:lnRef idx="2">
-            <a:schemeClr val="accent1"/>
-          </a:lnRef>
-          <a:fillRef idx="0">
-            <a:schemeClr val="accent1"/>
-          </a:fillRef>
-          <a:effectRef idx="1">
-            <a:schemeClr val="accent1"/>
-          </a:effectRef>
-          <a:fontRef idx="minor">
-            <a:schemeClr val="tx1"/>
-          </a:fontRef>
-        </p:style>
-      </p:cxnSp>
     </p:spTree>
     <p:extLst>
       <p:ext uri="{BB962C8B-B14F-4D97-AF65-F5344CB8AC3E}">
@@ -7969,6 +7740,1542 @@
     <p:extLst>
       <p:ext uri="{BB962C8B-B14F-4D97-AF65-F5344CB8AC3E}">
         <p14:creationId xmlns:p14="http://schemas.microsoft.com/office/powerpoint/2010/main" val="3719775777"/>
+      </p:ext>
+    </p:extLst>
+  </p:cSld>
+  <p:clrMapOvr>
+    <a:masterClrMapping/>
+  </p:clrMapOvr>
+</p:sld>
+</file>
+
+<file path=ppt/slides/slide4.xml><?xml version="1.0" encoding="utf-8"?>
+<p:sld xmlns:a="http://schemas.openxmlformats.org/drawingml/2006/main" xmlns:r="http://schemas.openxmlformats.org/officeDocument/2006/relationships" xmlns:p="http://schemas.openxmlformats.org/presentationml/2006/main">
+  <p:cSld>
+    <p:spTree>
+      <p:nvGrpSpPr>
+        <p:cNvPr id="1" name=""/>
+        <p:cNvGrpSpPr/>
+        <p:nvPr/>
+      </p:nvGrpSpPr>
+      <p:grpSpPr>
+        <a:xfrm>
+          <a:off x="0" y="0"/>
+          <a:ext cx="0" cy="0"/>
+          <a:chOff x="0" y="0"/>
+          <a:chExt cx="0" cy="0"/>
+        </a:xfrm>
+      </p:grpSpPr>
+      <p:pic>
+        <p:nvPicPr>
+          <p:cNvPr id="4" name="Picture 3">
+            <a:extLst>
+              <a:ext uri="{FF2B5EF4-FFF2-40B4-BE49-F238E27FC236}">
+                <a16:creationId xmlns:a16="http://schemas.microsoft.com/office/drawing/2014/main" id="{E0E8F49F-3BAB-FD0F-EEC8-64490E4ED235}"/>
+              </a:ext>
+            </a:extLst>
+          </p:cNvPr>
+          <p:cNvPicPr>
+            <a:picLocks noChangeAspect="1"/>
+          </p:cNvPicPr>
+          <p:nvPr/>
+        </p:nvPicPr>
+        <p:blipFill rotWithShape="1">
+          <a:blip r:embed="rId2"/>
+          <a:srcRect l="5442"/>
+          <a:stretch/>
+        </p:blipFill>
+        <p:spPr>
+          <a:xfrm rot="5400000">
+            <a:off x="2331069" y="3151288"/>
+            <a:ext cx="2676867" cy="1704336"/>
+          </a:xfrm>
+          <a:prstGeom prst="rect">
+            <a:avLst/>
+          </a:prstGeom>
+          <a:ln>
+            <a:solidFill>
+              <a:schemeClr val="accent1"/>
+            </a:solidFill>
+          </a:ln>
+        </p:spPr>
+      </p:pic>
+      <p:sp>
+        <p:nvSpPr>
+          <p:cNvPr id="5" name="TextBox 4">
+            <a:extLst>
+              <a:ext uri="{FF2B5EF4-FFF2-40B4-BE49-F238E27FC236}">
+                <a16:creationId xmlns:a16="http://schemas.microsoft.com/office/drawing/2014/main" id="{15CCDB38-CD61-AB83-3331-2BD01804EDD9}"/>
+              </a:ext>
+            </a:extLst>
+          </p:cNvPr>
+          <p:cNvSpPr txBox="1"/>
+          <p:nvPr/>
+        </p:nvSpPr>
+        <p:spPr>
+          <a:xfrm>
+            <a:off x="3024895" y="2172581"/>
+            <a:ext cx="1462260" cy="461665"/>
+          </a:xfrm>
+          <a:prstGeom prst="rect">
+            <a:avLst/>
+          </a:prstGeom>
+          <a:noFill/>
+        </p:spPr>
+        <p:txBody>
+          <a:bodyPr wrap="none" rtlCol="0">
+            <a:spAutoFit/>
+          </a:bodyPr>
+          <a:lstStyle/>
+          <a:p>
+            <a:r>
+              <a:rPr lang="en-US" sz="2400" dirty="0"/>
+              <a:t>Channels</a:t>
+            </a:r>
+          </a:p>
+        </p:txBody>
+      </p:sp>
+      <p:sp>
+        <p:nvSpPr>
+          <p:cNvPr id="6" name="TextBox 5">
+            <a:extLst>
+              <a:ext uri="{FF2B5EF4-FFF2-40B4-BE49-F238E27FC236}">
+                <a16:creationId xmlns:a16="http://schemas.microsoft.com/office/drawing/2014/main" id="{011C08A0-DCB1-CD79-7EF9-42B9C879A1DF}"/>
+              </a:ext>
+            </a:extLst>
+          </p:cNvPr>
+          <p:cNvSpPr txBox="1"/>
+          <p:nvPr/>
+        </p:nvSpPr>
+        <p:spPr>
+          <a:xfrm rot="16200000">
+            <a:off x="1679518" y="3893169"/>
+            <a:ext cx="1727139" cy="461665"/>
+          </a:xfrm>
+          <a:prstGeom prst="rect">
+            <a:avLst/>
+          </a:prstGeom>
+          <a:noFill/>
+        </p:spPr>
+        <p:txBody>
+          <a:bodyPr wrap="none" rtlCol="0">
+            <a:spAutoFit/>
+          </a:bodyPr>
+          <a:lstStyle/>
+          <a:p>
+            <a:r>
+              <a:rPr lang="en-US" sz="2400" dirty="0"/>
+              <a:t>Time points</a:t>
+            </a:r>
+          </a:p>
+        </p:txBody>
+      </p:sp>
+      <p:pic>
+        <p:nvPicPr>
+          <p:cNvPr id="7" name="Picture 6">
+            <a:extLst>
+              <a:ext uri="{FF2B5EF4-FFF2-40B4-BE49-F238E27FC236}">
+                <a16:creationId xmlns:a16="http://schemas.microsoft.com/office/drawing/2014/main" id="{95F13B81-6D96-9EBD-ADFE-AA0D5CE2606B}"/>
+              </a:ext>
+            </a:extLst>
+          </p:cNvPr>
+          <p:cNvPicPr>
+            <a:picLocks noChangeAspect="1"/>
+          </p:cNvPicPr>
+          <p:nvPr/>
+        </p:nvPicPr>
+        <p:blipFill rotWithShape="1">
+          <a:blip r:embed="rId2"/>
+          <a:srcRect l="5442"/>
+          <a:stretch/>
+        </p:blipFill>
+        <p:spPr>
+          <a:xfrm rot="5400000">
+            <a:off x="2534269" y="3354488"/>
+            <a:ext cx="2676867" cy="1704336"/>
+          </a:xfrm>
+          <a:prstGeom prst="rect">
+            <a:avLst/>
+          </a:prstGeom>
+          <a:ln>
+            <a:solidFill>
+              <a:schemeClr val="accent1"/>
+            </a:solidFill>
+          </a:ln>
+        </p:spPr>
+      </p:pic>
+      <p:pic>
+        <p:nvPicPr>
+          <p:cNvPr id="8" name="Picture 7">
+            <a:extLst>
+              <a:ext uri="{FF2B5EF4-FFF2-40B4-BE49-F238E27FC236}">
+                <a16:creationId xmlns:a16="http://schemas.microsoft.com/office/drawing/2014/main" id="{19590C9B-49B9-C707-0A23-F5E4F626855B}"/>
+              </a:ext>
+            </a:extLst>
+          </p:cNvPr>
+          <p:cNvPicPr>
+            <a:picLocks noChangeAspect="1"/>
+          </p:cNvPicPr>
+          <p:nvPr/>
+        </p:nvPicPr>
+        <p:blipFill rotWithShape="1">
+          <a:blip r:embed="rId2"/>
+          <a:srcRect l="5442"/>
+          <a:stretch/>
+        </p:blipFill>
+        <p:spPr>
+          <a:xfrm rot="5400000">
+            <a:off x="2737469" y="3557688"/>
+            <a:ext cx="2676867" cy="1704336"/>
+          </a:xfrm>
+          <a:prstGeom prst="rect">
+            <a:avLst/>
+          </a:prstGeom>
+          <a:ln>
+            <a:solidFill>
+              <a:schemeClr val="accent1"/>
+            </a:solidFill>
+          </a:ln>
+        </p:spPr>
+      </p:pic>
+      <p:pic>
+        <p:nvPicPr>
+          <p:cNvPr id="9" name="Picture 8">
+            <a:extLst>
+              <a:ext uri="{FF2B5EF4-FFF2-40B4-BE49-F238E27FC236}">
+                <a16:creationId xmlns:a16="http://schemas.microsoft.com/office/drawing/2014/main" id="{14E7BBB9-10A6-FF57-1DB7-DF4EBEB8A497}"/>
+              </a:ext>
+            </a:extLst>
+          </p:cNvPr>
+          <p:cNvPicPr>
+            <a:picLocks noChangeAspect="1"/>
+          </p:cNvPicPr>
+          <p:nvPr/>
+        </p:nvPicPr>
+        <p:blipFill rotWithShape="1">
+          <a:blip r:embed="rId2"/>
+          <a:srcRect l="5442"/>
+          <a:stretch/>
+        </p:blipFill>
+        <p:spPr>
+          <a:xfrm rot="5400000">
+            <a:off x="2940669" y="3760888"/>
+            <a:ext cx="2676867" cy="1704336"/>
+          </a:xfrm>
+          <a:prstGeom prst="rect">
+            <a:avLst/>
+          </a:prstGeom>
+          <a:ln>
+            <a:solidFill>
+              <a:schemeClr val="accent1"/>
+            </a:solidFill>
+          </a:ln>
+        </p:spPr>
+      </p:pic>
+      <p:sp>
+        <p:nvSpPr>
+          <p:cNvPr id="10" name="TextBox 9">
+            <a:extLst>
+              <a:ext uri="{FF2B5EF4-FFF2-40B4-BE49-F238E27FC236}">
+                <a16:creationId xmlns:a16="http://schemas.microsoft.com/office/drawing/2014/main" id="{1EC0BD96-0172-D8C9-916D-6587916241E3}"/>
+              </a:ext>
+            </a:extLst>
+          </p:cNvPr>
+          <p:cNvSpPr txBox="1"/>
+          <p:nvPr/>
+        </p:nvSpPr>
+        <p:spPr>
+          <a:xfrm>
+            <a:off x="2789310" y="1493305"/>
+            <a:ext cx="4507581" cy="666786"/>
+          </a:xfrm>
+          <a:prstGeom prst="rect">
+            <a:avLst/>
+          </a:prstGeom>
+          <a:noFill/>
+        </p:spPr>
+        <p:txBody>
+          <a:bodyPr wrap="none" rtlCol="0">
+            <a:spAutoFit/>
+          </a:bodyPr>
+          <a:lstStyle/>
+          <a:p>
+            <a:r>
+              <a:rPr lang="en-US" sz="3733" b="1" dirty="0"/>
+              <a:t>MEEG data samples</a:t>
+            </a:r>
+          </a:p>
+        </p:txBody>
+      </p:sp>
+      <p:sp>
+        <p:nvSpPr>
+          <p:cNvPr id="11" name="Rectangle 10">
+            <a:extLst>
+              <a:ext uri="{FF2B5EF4-FFF2-40B4-BE49-F238E27FC236}">
+                <a16:creationId xmlns:a16="http://schemas.microsoft.com/office/drawing/2014/main" id="{A978B4DC-E310-FBCC-DAF0-82DCFD145AB2}"/>
+              </a:ext>
+            </a:extLst>
+          </p:cNvPr>
+          <p:cNvSpPr/>
+          <p:nvPr/>
+        </p:nvSpPr>
+        <p:spPr>
+          <a:xfrm>
+            <a:off x="5950465" y="2674199"/>
+            <a:ext cx="280087" cy="492443"/>
+          </a:xfrm>
+          <a:prstGeom prst="rect">
+            <a:avLst/>
+          </a:prstGeom>
+          <a:gradFill flip="none" rotWithShape="1">
+            <a:gsLst>
+              <a:gs pos="0">
+                <a:schemeClr val="accent3">
+                  <a:lumMod val="5000"/>
+                  <a:lumOff val="95000"/>
+                </a:schemeClr>
+              </a:gs>
+              <a:gs pos="74000">
+                <a:schemeClr val="accent3">
+                  <a:lumMod val="45000"/>
+                  <a:lumOff val="55000"/>
+                </a:schemeClr>
+              </a:gs>
+              <a:gs pos="83000">
+                <a:schemeClr val="accent3">
+                  <a:lumMod val="45000"/>
+                  <a:lumOff val="55000"/>
+                </a:schemeClr>
+              </a:gs>
+              <a:gs pos="100000">
+                <a:schemeClr val="accent3">
+                  <a:lumMod val="30000"/>
+                  <a:lumOff val="70000"/>
+                </a:schemeClr>
+              </a:gs>
+            </a:gsLst>
+            <a:lin ang="5400000" scaled="1"/>
+            <a:tileRect/>
+          </a:gradFill>
+          <a:ln>
+            <a:solidFill>
+              <a:schemeClr val="tx1"/>
+            </a:solidFill>
+          </a:ln>
+        </p:spPr>
+        <p:style>
+          <a:lnRef idx="1">
+            <a:schemeClr val="accent6"/>
+          </a:lnRef>
+          <a:fillRef idx="2">
+            <a:schemeClr val="accent6"/>
+          </a:fillRef>
+          <a:effectRef idx="1">
+            <a:schemeClr val="accent6"/>
+          </a:effectRef>
+          <a:fontRef idx="minor">
+            <a:schemeClr val="dk1"/>
+          </a:fontRef>
+        </p:style>
+        <p:txBody>
+          <a:bodyPr rtlCol="0" anchor="ctr"/>
+          <a:lstStyle/>
+          <a:p>
+            <a:pPr algn="ctr"/>
+            <a:endParaRPr lang="en-US" sz="2400" dirty="0"/>
+          </a:p>
+        </p:txBody>
+      </p:sp>
+      <p:sp>
+        <p:nvSpPr>
+          <p:cNvPr id="12" name="TextBox 11">
+            <a:extLst>
+              <a:ext uri="{FF2B5EF4-FFF2-40B4-BE49-F238E27FC236}">
+                <a16:creationId xmlns:a16="http://schemas.microsoft.com/office/drawing/2014/main" id="{0B1335E6-9A22-683C-3AC6-46B8D11BD7CF}"/>
+              </a:ext>
+            </a:extLst>
+          </p:cNvPr>
+          <p:cNvSpPr txBox="1"/>
+          <p:nvPr/>
+        </p:nvSpPr>
+        <p:spPr>
+          <a:xfrm>
+            <a:off x="5787966" y="2172581"/>
+            <a:ext cx="1070101" cy="461665"/>
+          </a:xfrm>
+          <a:prstGeom prst="rect">
+            <a:avLst/>
+          </a:prstGeom>
+          <a:noFill/>
+        </p:spPr>
+        <p:txBody>
+          <a:bodyPr wrap="none" rtlCol="0">
+            <a:spAutoFit/>
+          </a:bodyPr>
+          <a:lstStyle/>
+          <a:p>
+            <a:r>
+              <a:rPr lang="en-US" sz="2400" dirty="0"/>
+              <a:t>Labels</a:t>
+            </a:r>
+          </a:p>
+        </p:txBody>
+      </p:sp>
+      <p:sp>
+        <p:nvSpPr>
+          <p:cNvPr id="13" name="Rectangle 12">
+            <a:extLst>
+              <a:ext uri="{FF2B5EF4-FFF2-40B4-BE49-F238E27FC236}">
+                <a16:creationId xmlns:a16="http://schemas.microsoft.com/office/drawing/2014/main" id="{3909FDA2-E7C8-0A97-C91B-8FA9565767F8}"/>
+              </a:ext>
+            </a:extLst>
+          </p:cNvPr>
+          <p:cNvSpPr/>
+          <p:nvPr/>
+        </p:nvSpPr>
+        <p:spPr>
+          <a:xfrm>
+            <a:off x="5947918" y="3166641"/>
+            <a:ext cx="280087" cy="492443"/>
+          </a:xfrm>
+          <a:prstGeom prst="rect">
+            <a:avLst/>
+          </a:prstGeom>
+          <a:gradFill flip="none" rotWithShape="1">
+            <a:gsLst>
+              <a:gs pos="0">
+                <a:schemeClr val="accent3">
+                  <a:lumMod val="0"/>
+                  <a:lumOff val="100000"/>
+                </a:schemeClr>
+              </a:gs>
+              <a:gs pos="35000">
+                <a:schemeClr val="accent3">
+                  <a:lumMod val="0"/>
+                  <a:lumOff val="100000"/>
+                </a:schemeClr>
+              </a:gs>
+              <a:gs pos="100000">
+                <a:schemeClr val="accent3">
+                  <a:lumMod val="100000"/>
+                </a:schemeClr>
+              </a:gs>
+            </a:gsLst>
+            <a:path path="circle">
+              <a:fillToRect l="50000" t="-80000" r="50000" b="180000"/>
+            </a:path>
+            <a:tileRect/>
+          </a:gradFill>
+          <a:ln>
+            <a:solidFill>
+              <a:schemeClr val="tx1"/>
+            </a:solidFill>
+          </a:ln>
+        </p:spPr>
+        <p:style>
+          <a:lnRef idx="1">
+            <a:schemeClr val="accent6"/>
+          </a:lnRef>
+          <a:fillRef idx="2">
+            <a:schemeClr val="accent6"/>
+          </a:fillRef>
+          <a:effectRef idx="1">
+            <a:schemeClr val="accent6"/>
+          </a:effectRef>
+          <a:fontRef idx="minor">
+            <a:schemeClr val="dk1"/>
+          </a:fontRef>
+        </p:style>
+        <p:txBody>
+          <a:bodyPr rtlCol="0" anchor="ctr"/>
+          <a:lstStyle/>
+          <a:p>
+            <a:pPr algn="ctr"/>
+            <a:endParaRPr lang="en-US" sz="2400" dirty="0"/>
+          </a:p>
+        </p:txBody>
+      </p:sp>
+      <p:sp>
+        <p:nvSpPr>
+          <p:cNvPr id="14" name="Rectangle 13">
+            <a:extLst>
+              <a:ext uri="{FF2B5EF4-FFF2-40B4-BE49-F238E27FC236}">
+                <a16:creationId xmlns:a16="http://schemas.microsoft.com/office/drawing/2014/main" id="{A7C71841-857F-66AA-F67A-1B0727CA9589}"/>
+              </a:ext>
+            </a:extLst>
+          </p:cNvPr>
+          <p:cNvSpPr/>
+          <p:nvPr/>
+        </p:nvSpPr>
+        <p:spPr>
+          <a:xfrm>
+            <a:off x="5947918" y="3640732"/>
+            <a:ext cx="280087" cy="492443"/>
+          </a:xfrm>
+          <a:prstGeom prst="rect">
+            <a:avLst/>
+          </a:prstGeom>
+          <a:gradFill flip="none" rotWithShape="1">
+            <a:gsLst>
+              <a:gs pos="0">
+                <a:schemeClr val="accent6">
+                  <a:lumMod val="89000"/>
+                </a:schemeClr>
+              </a:gs>
+              <a:gs pos="23000">
+                <a:schemeClr val="accent6">
+                  <a:lumMod val="89000"/>
+                </a:schemeClr>
+              </a:gs>
+              <a:gs pos="69000">
+                <a:schemeClr val="accent6">
+                  <a:lumMod val="75000"/>
+                </a:schemeClr>
+              </a:gs>
+              <a:gs pos="97000">
+                <a:schemeClr val="accent6">
+                  <a:lumMod val="70000"/>
+                </a:schemeClr>
+              </a:gs>
+            </a:gsLst>
+            <a:path path="circle">
+              <a:fillToRect l="50000" t="50000" r="50000" b="50000"/>
+            </a:path>
+            <a:tileRect/>
+          </a:gradFill>
+          <a:ln>
+            <a:solidFill>
+              <a:schemeClr val="tx1"/>
+            </a:solidFill>
+          </a:ln>
+        </p:spPr>
+        <p:style>
+          <a:lnRef idx="1">
+            <a:schemeClr val="accent6"/>
+          </a:lnRef>
+          <a:fillRef idx="2">
+            <a:schemeClr val="accent6"/>
+          </a:fillRef>
+          <a:effectRef idx="1">
+            <a:schemeClr val="accent6"/>
+          </a:effectRef>
+          <a:fontRef idx="minor">
+            <a:schemeClr val="dk1"/>
+          </a:fontRef>
+        </p:style>
+        <p:txBody>
+          <a:bodyPr rtlCol="0" anchor="ctr"/>
+          <a:lstStyle/>
+          <a:p>
+            <a:pPr algn="ctr"/>
+            <a:endParaRPr lang="en-US" sz="2400"/>
+          </a:p>
+        </p:txBody>
+      </p:sp>
+      <p:sp>
+        <p:nvSpPr>
+          <p:cNvPr id="15" name="Rectangle 14">
+            <a:extLst>
+              <a:ext uri="{FF2B5EF4-FFF2-40B4-BE49-F238E27FC236}">
+                <a16:creationId xmlns:a16="http://schemas.microsoft.com/office/drawing/2014/main" id="{FF4879C3-A11F-40E2-8700-ED5D378225B6}"/>
+              </a:ext>
+            </a:extLst>
+          </p:cNvPr>
+          <p:cNvSpPr/>
+          <p:nvPr/>
+        </p:nvSpPr>
+        <p:spPr>
+          <a:xfrm>
+            <a:off x="6153665" y="2877399"/>
+            <a:ext cx="280087" cy="492443"/>
+          </a:xfrm>
+          <a:prstGeom prst="rect">
+            <a:avLst/>
+          </a:prstGeom>
+          <a:gradFill flip="none" rotWithShape="1">
+            <a:gsLst>
+              <a:gs pos="0">
+                <a:schemeClr val="accent4">
+                  <a:lumMod val="5000"/>
+                  <a:lumOff val="95000"/>
+                </a:schemeClr>
+              </a:gs>
+              <a:gs pos="74000">
+                <a:schemeClr val="accent4">
+                  <a:lumMod val="45000"/>
+                  <a:lumOff val="55000"/>
+                </a:schemeClr>
+              </a:gs>
+              <a:gs pos="83000">
+                <a:schemeClr val="accent4">
+                  <a:lumMod val="45000"/>
+                  <a:lumOff val="55000"/>
+                </a:schemeClr>
+              </a:gs>
+              <a:gs pos="100000">
+                <a:schemeClr val="accent4">
+                  <a:lumMod val="30000"/>
+                  <a:lumOff val="70000"/>
+                </a:schemeClr>
+              </a:gs>
+            </a:gsLst>
+            <a:lin ang="5400000" scaled="1"/>
+            <a:tileRect/>
+          </a:gradFill>
+          <a:ln>
+            <a:solidFill>
+              <a:schemeClr val="tx1"/>
+            </a:solidFill>
+          </a:ln>
+        </p:spPr>
+        <p:style>
+          <a:lnRef idx="1">
+            <a:schemeClr val="accent6"/>
+          </a:lnRef>
+          <a:fillRef idx="2">
+            <a:schemeClr val="accent6"/>
+          </a:fillRef>
+          <a:effectRef idx="1">
+            <a:schemeClr val="accent6"/>
+          </a:effectRef>
+          <a:fontRef idx="minor">
+            <a:schemeClr val="dk1"/>
+          </a:fontRef>
+        </p:style>
+        <p:txBody>
+          <a:bodyPr rtlCol="0" anchor="ctr"/>
+          <a:lstStyle/>
+          <a:p>
+            <a:pPr algn="ctr"/>
+            <a:endParaRPr lang="en-US" sz="2400" dirty="0"/>
+          </a:p>
+        </p:txBody>
+      </p:sp>
+      <p:sp>
+        <p:nvSpPr>
+          <p:cNvPr id="16" name="Rectangle 15">
+            <a:extLst>
+              <a:ext uri="{FF2B5EF4-FFF2-40B4-BE49-F238E27FC236}">
+                <a16:creationId xmlns:a16="http://schemas.microsoft.com/office/drawing/2014/main" id="{50E4BE72-3BA8-DFC3-B4E3-6A2C890338F3}"/>
+              </a:ext>
+            </a:extLst>
+          </p:cNvPr>
+          <p:cNvSpPr/>
+          <p:nvPr/>
+        </p:nvSpPr>
+        <p:spPr>
+          <a:xfrm>
+            <a:off x="6151118" y="3369841"/>
+            <a:ext cx="280087" cy="492443"/>
+          </a:xfrm>
+          <a:prstGeom prst="rect">
+            <a:avLst/>
+          </a:prstGeom>
+          <a:gradFill flip="none" rotWithShape="1">
+            <a:gsLst>
+              <a:gs pos="0">
+                <a:schemeClr val="accent4">
+                  <a:lumMod val="67000"/>
+                </a:schemeClr>
+              </a:gs>
+              <a:gs pos="48000">
+                <a:schemeClr val="accent4">
+                  <a:lumMod val="97000"/>
+                  <a:lumOff val="3000"/>
+                </a:schemeClr>
+              </a:gs>
+              <a:gs pos="100000">
+                <a:schemeClr val="accent4">
+                  <a:lumMod val="60000"/>
+                  <a:lumOff val="40000"/>
+                </a:schemeClr>
+              </a:gs>
+            </a:gsLst>
+            <a:lin ang="16200000" scaled="1"/>
+            <a:tileRect/>
+          </a:gradFill>
+          <a:ln>
+            <a:solidFill>
+              <a:schemeClr val="tx1"/>
+            </a:solidFill>
+          </a:ln>
+        </p:spPr>
+        <p:style>
+          <a:lnRef idx="1">
+            <a:schemeClr val="accent6"/>
+          </a:lnRef>
+          <a:fillRef idx="2">
+            <a:schemeClr val="accent6"/>
+          </a:fillRef>
+          <a:effectRef idx="1">
+            <a:schemeClr val="accent6"/>
+          </a:effectRef>
+          <a:fontRef idx="minor">
+            <a:schemeClr val="dk1"/>
+          </a:fontRef>
+        </p:style>
+        <p:txBody>
+          <a:bodyPr rtlCol="0" anchor="ctr"/>
+          <a:lstStyle/>
+          <a:p>
+            <a:pPr algn="ctr"/>
+            <a:endParaRPr lang="en-US" sz="2400" dirty="0"/>
+          </a:p>
+        </p:txBody>
+      </p:sp>
+      <p:sp>
+        <p:nvSpPr>
+          <p:cNvPr id="17" name="Rectangle 16">
+            <a:extLst>
+              <a:ext uri="{FF2B5EF4-FFF2-40B4-BE49-F238E27FC236}">
+                <a16:creationId xmlns:a16="http://schemas.microsoft.com/office/drawing/2014/main" id="{002D97EE-D92D-0921-5E17-FA17DDA91A3A}"/>
+              </a:ext>
+            </a:extLst>
+          </p:cNvPr>
+          <p:cNvSpPr/>
+          <p:nvPr/>
+        </p:nvSpPr>
+        <p:spPr>
+          <a:xfrm>
+            <a:off x="6151118" y="3843932"/>
+            <a:ext cx="280087" cy="492443"/>
+          </a:xfrm>
+          <a:prstGeom prst="rect">
+            <a:avLst/>
+          </a:prstGeom>
+          <a:gradFill flip="none" rotWithShape="1">
+            <a:gsLst>
+              <a:gs pos="0">
+                <a:schemeClr val="accent1">
+                  <a:lumMod val="67000"/>
+                </a:schemeClr>
+              </a:gs>
+              <a:gs pos="48000">
+                <a:schemeClr val="accent1">
+                  <a:lumMod val="97000"/>
+                  <a:lumOff val="3000"/>
+                </a:schemeClr>
+              </a:gs>
+              <a:gs pos="100000">
+                <a:schemeClr val="accent1">
+                  <a:lumMod val="60000"/>
+                  <a:lumOff val="40000"/>
+                </a:schemeClr>
+              </a:gs>
+            </a:gsLst>
+            <a:lin ang="16200000" scaled="1"/>
+            <a:tileRect/>
+          </a:gradFill>
+          <a:ln>
+            <a:solidFill>
+              <a:schemeClr val="tx1"/>
+            </a:solidFill>
+          </a:ln>
+        </p:spPr>
+        <p:style>
+          <a:lnRef idx="1">
+            <a:schemeClr val="accent6"/>
+          </a:lnRef>
+          <a:fillRef idx="2">
+            <a:schemeClr val="accent6"/>
+          </a:fillRef>
+          <a:effectRef idx="1">
+            <a:schemeClr val="accent6"/>
+          </a:effectRef>
+          <a:fontRef idx="minor">
+            <a:schemeClr val="dk1"/>
+          </a:fontRef>
+        </p:style>
+        <p:txBody>
+          <a:bodyPr rtlCol="0" anchor="ctr"/>
+          <a:lstStyle/>
+          <a:p>
+            <a:pPr algn="ctr"/>
+            <a:endParaRPr lang="en-US" sz="2400"/>
+          </a:p>
+        </p:txBody>
+      </p:sp>
+      <p:sp>
+        <p:nvSpPr>
+          <p:cNvPr id="18" name="Rectangle 17">
+            <a:extLst>
+              <a:ext uri="{FF2B5EF4-FFF2-40B4-BE49-F238E27FC236}">
+                <a16:creationId xmlns:a16="http://schemas.microsoft.com/office/drawing/2014/main" id="{8DD3FBC0-43B2-A487-F6FF-CB3A159BDFD1}"/>
+              </a:ext>
+            </a:extLst>
+          </p:cNvPr>
+          <p:cNvSpPr/>
+          <p:nvPr/>
+        </p:nvSpPr>
+        <p:spPr>
+          <a:xfrm>
+            <a:off x="6356865" y="3080599"/>
+            <a:ext cx="280087" cy="492443"/>
+          </a:xfrm>
+          <a:prstGeom prst="rect">
+            <a:avLst/>
+          </a:prstGeom>
+          <a:gradFill flip="none" rotWithShape="1">
+            <a:gsLst>
+              <a:gs pos="0">
+                <a:schemeClr val="accent5">
+                  <a:lumMod val="5000"/>
+                  <a:lumOff val="95000"/>
+                </a:schemeClr>
+              </a:gs>
+              <a:gs pos="74000">
+                <a:schemeClr val="accent5">
+                  <a:lumMod val="45000"/>
+                  <a:lumOff val="55000"/>
+                </a:schemeClr>
+              </a:gs>
+              <a:gs pos="83000">
+                <a:schemeClr val="accent5">
+                  <a:lumMod val="45000"/>
+                  <a:lumOff val="55000"/>
+                </a:schemeClr>
+              </a:gs>
+              <a:gs pos="100000">
+                <a:schemeClr val="accent5">
+                  <a:lumMod val="30000"/>
+                  <a:lumOff val="70000"/>
+                </a:schemeClr>
+              </a:gs>
+            </a:gsLst>
+            <a:lin ang="5400000" scaled="1"/>
+            <a:tileRect/>
+          </a:gradFill>
+          <a:ln>
+            <a:solidFill>
+              <a:schemeClr val="tx1"/>
+            </a:solidFill>
+          </a:ln>
+        </p:spPr>
+        <p:style>
+          <a:lnRef idx="1">
+            <a:schemeClr val="accent6"/>
+          </a:lnRef>
+          <a:fillRef idx="2">
+            <a:schemeClr val="accent6"/>
+          </a:fillRef>
+          <a:effectRef idx="1">
+            <a:schemeClr val="accent6"/>
+          </a:effectRef>
+          <a:fontRef idx="minor">
+            <a:schemeClr val="dk1"/>
+          </a:fontRef>
+        </p:style>
+        <p:txBody>
+          <a:bodyPr rtlCol="0" anchor="ctr"/>
+          <a:lstStyle/>
+          <a:p>
+            <a:pPr algn="ctr"/>
+            <a:endParaRPr lang="en-US" sz="2400" dirty="0"/>
+          </a:p>
+        </p:txBody>
+      </p:sp>
+      <p:sp>
+        <p:nvSpPr>
+          <p:cNvPr id="19" name="Rectangle 18">
+            <a:extLst>
+              <a:ext uri="{FF2B5EF4-FFF2-40B4-BE49-F238E27FC236}">
+                <a16:creationId xmlns:a16="http://schemas.microsoft.com/office/drawing/2014/main" id="{9637B8E0-041E-564D-C29A-A527C93BA0EB}"/>
+              </a:ext>
+            </a:extLst>
+          </p:cNvPr>
+          <p:cNvSpPr/>
+          <p:nvPr/>
+        </p:nvSpPr>
+        <p:spPr>
+          <a:xfrm>
+            <a:off x="6354318" y="3573041"/>
+            <a:ext cx="280087" cy="492443"/>
+          </a:xfrm>
+          <a:prstGeom prst="rect">
+            <a:avLst/>
+          </a:prstGeom>
+          <a:gradFill flip="none" rotWithShape="1">
+            <a:gsLst>
+              <a:gs pos="0">
+                <a:schemeClr val="accent5">
+                  <a:lumMod val="67000"/>
+                </a:schemeClr>
+              </a:gs>
+              <a:gs pos="48000">
+                <a:schemeClr val="accent5">
+                  <a:lumMod val="97000"/>
+                  <a:lumOff val="3000"/>
+                </a:schemeClr>
+              </a:gs>
+              <a:gs pos="100000">
+                <a:schemeClr val="accent5">
+                  <a:lumMod val="60000"/>
+                  <a:lumOff val="40000"/>
+                </a:schemeClr>
+              </a:gs>
+            </a:gsLst>
+            <a:lin ang="16200000" scaled="1"/>
+            <a:tileRect/>
+          </a:gradFill>
+          <a:ln>
+            <a:solidFill>
+              <a:schemeClr val="tx1"/>
+            </a:solidFill>
+          </a:ln>
+        </p:spPr>
+        <p:style>
+          <a:lnRef idx="1">
+            <a:schemeClr val="accent6"/>
+          </a:lnRef>
+          <a:fillRef idx="2">
+            <a:schemeClr val="accent6"/>
+          </a:fillRef>
+          <a:effectRef idx="1">
+            <a:schemeClr val="accent6"/>
+          </a:effectRef>
+          <a:fontRef idx="minor">
+            <a:schemeClr val="dk1"/>
+          </a:fontRef>
+        </p:style>
+        <p:txBody>
+          <a:bodyPr rtlCol="0" anchor="ctr"/>
+          <a:lstStyle/>
+          <a:p>
+            <a:pPr algn="ctr"/>
+            <a:endParaRPr lang="en-US" sz="2400" dirty="0"/>
+          </a:p>
+        </p:txBody>
+      </p:sp>
+      <p:sp>
+        <p:nvSpPr>
+          <p:cNvPr id="20" name="Rectangle 19">
+            <a:extLst>
+              <a:ext uri="{FF2B5EF4-FFF2-40B4-BE49-F238E27FC236}">
+                <a16:creationId xmlns:a16="http://schemas.microsoft.com/office/drawing/2014/main" id="{4D6F9625-652F-E111-81A7-3ADCBFBF5841}"/>
+              </a:ext>
+            </a:extLst>
+          </p:cNvPr>
+          <p:cNvSpPr/>
+          <p:nvPr/>
+        </p:nvSpPr>
+        <p:spPr>
+          <a:xfrm>
+            <a:off x="6354318" y="4047132"/>
+            <a:ext cx="280087" cy="492443"/>
+          </a:xfrm>
+          <a:prstGeom prst="rect">
+            <a:avLst/>
+          </a:prstGeom>
+          <a:gradFill flip="none" rotWithShape="1">
+            <a:gsLst>
+              <a:gs pos="0">
+                <a:schemeClr val="accent5">
+                  <a:lumMod val="89000"/>
+                </a:schemeClr>
+              </a:gs>
+              <a:gs pos="23000">
+                <a:schemeClr val="accent5">
+                  <a:lumMod val="89000"/>
+                </a:schemeClr>
+              </a:gs>
+              <a:gs pos="69000">
+                <a:schemeClr val="accent5">
+                  <a:lumMod val="75000"/>
+                </a:schemeClr>
+              </a:gs>
+              <a:gs pos="97000">
+                <a:schemeClr val="accent5">
+                  <a:lumMod val="70000"/>
+                </a:schemeClr>
+              </a:gs>
+            </a:gsLst>
+            <a:path path="circle">
+              <a:fillToRect l="50000" t="50000" r="50000" b="50000"/>
+            </a:path>
+            <a:tileRect/>
+          </a:gradFill>
+          <a:ln>
+            <a:solidFill>
+              <a:schemeClr val="tx1"/>
+            </a:solidFill>
+          </a:ln>
+        </p:spPr>
+        <p:style>
+          <a:lnRef idx="1">
+            <a:schemeClr val="accent6"/>
+          </a:lnRef>
+          <a:fillRef idx="2">
+            <a:schemeClr val="accent6"/>
+          </a:fillRef>
+          <a:effectRef idx="1">
+            <a:schemeClr val="accent6"/>
+          </a:effectRef>
+          <a:fontRef idx="minor">
+            <a:schemeClr val="dk1"/>
+          </a:fontRef>
+        </p:style>
+        <p:txBody>
+          <a:bodyPr rtlCol="0" anchor="ctr"/>
+          <a:lstStyle/>
+          <a:p>
+            <a:pPr algn="ctr"/>
+            <a:endParaRPr lang="en-US" sz="2400"/>
+          </a:p>
+        </p:txBody>
+      </p:sp>
+      <p:sp>
+        <p:nvSpPr>
+          <p:cNvPr id="21" name="Rectangle 20">
+            <a:extLst>
+              <a:ext uri="{FF2B5EF4-FFF2-40B4-BE49-F238E27FC236}">
+                <a16:creationId xmlns:a16="http://schemas.microsoft.com/office/drawing/2014/main" id="{59CE5035-60B8-42B4-13E3-D629EEC5CF1F}"/>
+              </a:ext>
+            </a:extLst>
+          </p:cNvPr>
+          <p:cNvSpPr/>
+          <p:nvPr/>
+        </p:nvSpPr>
+        <p:spPr>
+          <a:xfrm>
+            <a:off x="6560065" y="3283799"/>
+            <a:ext cx="280087" cy="492443"/>
+          </a:xfrm>
+          <a:prstGeom prst="rect">
+            <a:avLst/>
+          </a:prstGeom>
+          <a:gradFill flip="none" rotWithShape="1">
+            <a:gsLst>
+              <a:gs pos="0">
+                <a:schemeClr val="accent2">
+                  <a:lumMod val="5000"/>
+                  <a:lumOff val="95000"/>
+                </a:schemeClr>
+              </a:gs>
+              <a:gs pos="74000">
+                <a:schemeClr val="accent2">
+                  <a:lumMod val="45000"/>
+                  <a:lumOff val="55000"/>
+                </a:schemeClr>
+              </a:gs>
+              <a:gs pos="83000">
+                <a:schemeClr val="accent2">
+                  <a:lumMod val="45000"/>
+                  <a:lumOff val="55000"/>
+                </a:schemeClr>
+              </a:gs>
+              <a:gs pos="100000">
+                <a:schemeClr val="accent2">
+                  <a:lumMod val="30000"/>
+                  <a:lumOff val="70000"/>
+                </a:schemeClr>
+              </a:gs>
+            </a:gsLst>
+            <a:lin ang="5400000" scaled="1"/>
+            <a:tileRect/>
+          </a:gradFill>
+          <a:ln>
+            <a:solidFill>
+              <a:schemeClr val="tx1"/>
+            </a:solidFill>
+          </a:ln>
+        </p:spPr>
+        <p:style>
+          <a:lnRef idx="1">
+            <a:schemeClr val="accent6"/>
+          </a:lnRef>
+          <a:fillRef idx="2">
+            <a:schemeClr val="accent6"/>
+          </a:fillRef>
+          <a:effectRef idx="1">
+            <a:schemeClr val="accent6"/>
+          </a:effectRef>
+          <a:fontRef idx="minor">
+            <a:schemeClr val="dk1"/>
+          </a:fontRef>
+        </p:style>
+        <p:txBody>
+          <a:bodyPr rtlCol="0" anchor="ctr"/>
+          <a:lstStyle/>
+          <a:p>
+            <a:pPr algn="ctr"/>
+            <a:endParaRPr lang="en-US" sz="2400" dirty="0"/>
+          </a:p>
+        </p:txBody>
+      </p:sp>
+      <p:sp>
+        <p:nvSpPr>
+          <p:cNvPr id="22" name="Rectangle 21">
+            <a:extLst>
+              <a:ext uri="{FF2B5EF4-FFF2-40B4-BE49-F238E27FC236}">
+                <a16:creationId xmlns:a16="http://schemas.microsoft.com/office/drawing/2014/main" id="{8FE4172E-648B-0EB8-839F-D91CFDE08612}"/>
+              </a:ext>
+            </a:extLst>
+          </p:cNvPr>
+          <p:cNvSpPr/>
+          <p:nvPr/>
+        </p:nvSpPr>
+        <p:spPr>
+          <a:xfrm>
+            <a:off x="6557518" y="3776241"/>
+            <a:ext cx="280087" cy="492443"/>
+          </a:xfrm>
+          <a:prstGeom prst="rect">
+            <a:avLst/>
+          </a:prstGeom>
+          <a:gradFill flip="none" rotWithShape="1">
+            <a:gsLst>
+              <a:gs pos="0">
+                <a:schemeClr val="accent2">
+                  <a:lumMod val="67000"/>
+                </a:schemeClr>
+              </a:gs>
+              <a:gs pos="48000">
+                <a:schemeClr val="accent2">
+                  <a:lumMod val="97000"/>
+                  <a:lumOff val="3000"/>
+                </a:schemeClr>
+              </a:gs>
+              <a:gs pos="100000">
+                <a:schemeClr val="accent2">
+                  <a:lumMod val="60000"/>
+                  <a:lumOff val="40000"/>
+                </a:schemeClr>
+              </a:gs>
+            </a:gsLst>
+            <a:lin ang="16200000" scaled="1"/>
+            <a:tileRect/>
+          </a:gradFill>
+          <a:ln>
+            <a:solidFill>
+              <a:schemeClr val="tx1"/>
+            </a:solidFill>
+          </a:ln>
+        </p:spPr>
+        <p:style>
+          <a:lnRef idx="1">
+            <a:schemeClr val="accent6"/>
+          </a:lnRef>
+          <a:fillRef idx="2">
+            <a:schemeClr val="accent6"/>
+          </a:fillRef>
+          <a:effectRef idx="1">
+            <a:schemeClr val="accent6"/>
+          </a:effectRef>
+          <a:fontRef idx="minor">
+            <a:schemeClr val="dk1"/>
+          </a:fontRef>
+        </p:style>
+        <p:txBody>
+          <a:bodyPr rtlCol="0" anchor="ctr"/>
+          <a:lstStyle/>
+          <a:p>
+            <a:pPr algn="ctr"/>
+            <a:endParaRPr lang="en-US" sz="2400" dirty="0"/>
+          </a:p>
+        </p:txBody>
+      </p:sp>
+      <p:sp>
+        <p:nvSpPr>
+          <p:cNvPr id="23" name="Rectangle 22">
+            <a:extLst>
+              <a:ext uri="{FF2B5EF4-FFF2-40B4-BE49-F238E27FC236}">
+                <a16:creationId xmlns:a16="http://schemas.microsoft.com/office/drawing/2014/main" id="{68C0E5A7-31BF-CF22-1CDA-E4A04D1873EA}"/>
+              </a:ext>
+            </a:extLst>
+          </p:cNvPr>
+          <p:cNvSpPr/>
+          <p:nvPr/>
+        </p:nvSpPr>
+        <p:spPr>
+          <a:xfrm>
+            <a:off x="6557518" y="4250332"/>
+            <a:ext cx="280087" cy="492443"/>
+          </a:xfrm>
+          <a:prstGeom prst="rect">
+            <a:avLst/>
+          </a:prstGeom>
+          <a:gradFill flip="none" rotWithShape="1">
+            <a:gsLst>
+              <a:gs pos="0">
+                <a:schemeClr val="accent2">
+                  <a:lumMod val="89000"/>
+                </a:schemeClr>
+              </a:gs>
+              <a:gs pos="23000">
+                <a:schemeClr val="accent2">
+                  <a:lumMod val="89000"/>
+                </a:schemeClr>
+              </a:gs>
+              <a:gs pos="69000">
+                <a:schemeClr val="accent2">
+                  <a:lumMod val="75000"/>
+                </a:schemeClr>
+              </a:gs>
+              <a:gs pos="97000">
+                <a:schemeClr val="accent2">
+                  <a:lumMod val="70000"/>
+                </a:schemeClr>
+              </a:gs>
+            </a:gsLst>
+            <a:path path="circle">
+              <a:fillToRect l="50000" t="50000" r="50000" b="50000"/>
+            </a:path>
+            <a:tileRect/>
+          </a:gradFill>
+          <a:ln>
+            <a:solidFill>
+              <a:schemeClr val="tx1"/>
+            </a:solidFill>
+          </a:ln>
+        </p:spPr>
+        <p:style>
+          <a:lnRef idx="1">
+            <a:schemeClr val="accent6"/>
+          </a:lnRef>
+          <a:fillRef idx="2">
+            <a:schemeClr val="accent6"/>
+          </a:fillRef>
+          <a:effectRef idx="1">
+            <a:schemeClr val="accent6"/>
+          </a:effectRef>
+          <a:fontRef idx="minor">
+            <a:schemeClr val="dk1"/>
+          </a:fontRef>
+        </p:style>
+        <p:txBody>
+          <a:bodyPr rtlCol="0" anchor="ctr"/>
+          <a:lstStyle/>
+          <a:p>
+            <a:pPr algn="ctr"/>
+            <a:endParaRPr lang="en-US" sz="2400"/>
+          </a:p>
+        </p:txBody>
+      </p:sp>
+      <p:sp>
+        <p:nvSpPr>
+          <p:cNvPr id="24" name="Right Arrow 23">
+            <a:extLst>
+              <a:ext uri="{FF2B5EF4-FFF2-40B4-BE49-F238E27FC236}">
+                <a16:creationId xmlns:a16="http://schemas.microsoft.com/office/drawing/2014/main" id="{EF27B7BD-14DC-73F0-1354-6CDCADB7D990}"/>
+              </a:ext>
+            </a:extLst>
+          </p:cNvPr>
+          <p:cNvSpPr/>
+          <p:nvPr/>
+        </p:nvSpPr>
+        <p:spPr>
+          <a:xfrm>
+            <a:off x="8060650" y="3806915"/>
+            <a:ext cx="808521" cy="1083691"/>
+          </a:xfrm>
+          <a:prstGeom prst="rightArrow">
+            <a:avLst/>
+          </a:prstGeom>
+        </p:spPr>
+        <p:style>
+          <a:lnRef idx="1">
+            <a:schemeClr val="accent1"/>
+          </a:lnRef>
+          <a:fillRef idx="2">
+            <a:schemeClr val="accent1"/>
+          </a:fillRef>
+          <a:effectRef idx="1">
+            <a:schemeClr val="accent1"/>
+          </a:effectRef>
+          <a:fontRef idx="minor">
+            <a:schemeClr val="dk1"/>
+          </a:fontRef>
+        </p:style>
+        <p:txBody>
+          <a:bodyPr rtlCol="0" anchor="ctr"/>
+          <a:lstStyle/>
+          <a:p>
+            <a:pPr algn="ctr"/>
+            <a:endParaRPr lang="en-US" sz="2400"/>
+          </a:p>
+        </p:txBody>
+      </p:sp>
+      <p:pic>
+        <p:nvPicPr>
+          <p:cNvPr id="26" name="Picture 25">
+            <a:extLst>
+              <a:ext uri="{FF2B5EF4-FFF2-40B4-BE49-F238E27FC236}">
+                <a16:creationId xmlns:a16="http://schemas.microsoft.com/office/drawing/2014/main" id="{05FD2B51-CF96-E511-2BA2-CECDC1C6C626}"/>
+              </a:ext>
+            </a:extLst>
+          </p:cNvPr>
+          <p:cNvPicPr>
+            <a:picLocks noChangeAspect="1"/>
+          </p:cNvPicPr>
+          <p:nvPr/>
+        </p:nvPicPr>
+        <p:blipFill>
+          <a:blip r:embed="rId3">
+            <a:clrChange>
+              <a:clrFrom>
+                <a:srgbClr val="FFFFFF"/>
+              </a:clrFrom>
+              <a:clrTo>
+                <a:srgbClr val="FFFFFF">
+                  <a:alpha val="0"/>
+                </a:srgbClr>
+              </a:clrTo>
+            </a:clrChange>
+          </a:blip>
+          <a:srcRect l="2386"/>
+          <a:stretch/>
+        </p:blipFill>
+        <p:spPr>
+          <a:xfrm>
+            <a:off x="9157384" y="2716984"/>
+            <a:ext cx="3535897" cy="3792145"/>
+          </a:xfrm>
+          <a:prstGeom prst="rect">
+            <a:avLst/>
+          </a:prstGeom>
+        </p:spPr>
+      </p:pic>
+      <p:sp>
+        <p:nvSpPr>
+          <p:cNvPr id="25" name="TextBox 24">
+            <a:extLst>
+              <a:ext uri="{FF2B5EF4-FFF2-40B4-BE49-F238E27FC236}">
+                <a16:creationId xmlns:a16="http://schemas.microsoft.com/office/drawing/2014/main" id="{BFFFBD6A-C0BD-95B2-1197-16E8B41C9A49}"/>
+              </a:ext>
+            </a:extLst>
+          </p:cNvPr>
+          <p:cNvSpPr txBox="1"/>
+          <p:nvPr/>
+        </p:nvSpPr>
+        <p:spPr>
+          <a:xfrm>
+            <a:off x="9829533" y="2061785"/>
+            <a:ext cx="2462534" cy="830997"/>
+          </a:xfrm>
+          <a:prstGeom prst="rect">
+            <a:avLst/>
+          </a:prstGeom>
+          <a:noFill/>
+        </p:spPr>
+        <p:txBody>
+          <a:bodyPr wrap="none" rtlCol="0">
+            <a:spAutoFit/>
+          </a:bodyPr>
+          <a:lstStyle/>
+          <a:p>
+            <a:r>
+              <a:rPr lang="en-US" sz="2400" dirty="0"/>
+              <a:t>Deep learning /</a:t>
+            </a:r>
+          </a:p>
+          <a:p>
+            <a:r>
+              <a:rPr lang="en-US" sz="2400" dirty="0"/>
+              <a:t>Machine learning</a:t>
+            </a:r>
+          </a:p>
+        </p:txBody>
+      </p:sp>
+    </p:spTree>
+    <p:extLst>
+      <p:ext uri="{BB962C8B-B14F-4D97-AF65-F5344CB8AC3E}">
+        <p14:creationId xmlns:p14="http://schemas.microsoft.com/office/powerpoint/2010/main" val="1727490711"/>
+      </p:ext>
+    </p:extLst>
+  </p:cSld>
+  <p:clrMapOvr>
+    <a:masterClrMapping/>
+  </p:clrMapOvr>
+</p:sld>
+</file>
+
+<file path=ppt/slides/slide5.xml><?xml version="1.0" encoding="utf-8"?>
+<p:sld xmlns:a="http://schemas.openxmlformats.org/drawingml/2006/main" xmlns:r="http://schemas.openxmlformats.org/officeDocument/2006/relationships" xmlns:p="http://schemas.openxmlformats.org/presentationml/2006/main">
+  <p:cSld>
+    <p:spTree>
+      <p:nvGrpSpPr>
+        <p:cNvPr id="1" name=""/>
+        <p:cNvGrpSpPr/>
+        <p:nvPr/>
+      </p:nvGrpSpPr>
+      <p:grpSpPr>
+        <a:xfrm>
+          <a:off x="0" y="0"/>
+          <a:ext cx="0" cy="0"/>
+          <a:chOff x="0" y="0"/>
+          <a:chExt cx="0" cy="0"/>
+        </a:xfrm>
+      </p:grpSpPr>
+      <p:sp>
+        <p:nvSpPr>
+          <p:cNvPr id="2" name="Title 1">
+            <a:extLst>
+              <a:ext uri="{FF2B5EF4-FFF2-40B4-BE49-F238E27FC236}">
+                <a16:creationId xmlns:a16="http://schemas.microsoft.com/office/drawing/2014/main" id="{226204A5-6340-E6E4-E732-A4EA346C034B}"/>
+              </a:ext>
+            </a:extLst>
+          </p:cNvPr>
+          <p:cNvSpPr>
+            <a:spLocks noGrp="1"/>
+          </p:cNvSpPr>
+          <p:nvPr>
+            <p:ph type="title"/>
+          </p:nvPr>
+        </p:nvSpPr>
+        <p:spPr/>
+        <p:txBody>
+          <a:bodyPr/>
+          <a:lstStyle/>
+          <a:p>
+            <a:endParaRPr lang="en-US"/>
+          </a:p>
+        </p:txBody>
+      </p:sp>
+      <p:pic>
+        <p:nvPicPr>
+          <p:cNvPr id="1026" name="Picture 2" descr="Ben Gurion University of the Negev - CrackSense">
+            <a:extLst>
+              <a:ext uri="{FF2B5EF4-FFF2-40B4-BE49-F238E27FC236}">
+                <a16:creationId xmlns:a16="http://schemas.microsoft.com/office/drawing/2014/main" id="{21D0D5A7-5022-A206-4151-031831B60157}"/>
+              </a:ext>
+            </a:extLst>
+          </p:cNvPr>
+          <p:cNvPicPr>
+            <a:picLocks noChangeAspect="1" noChangeArrowheads="1"/>
+          </p:cNvPicPr>
+          <p:nvPr/>
+        </p:nvPicPr>
+        <p:blipFill>
+          <a:blip r:embed="rId2">
+            <a:extLst>
+              <a:ext uri="{28A0092B-C50C-407E-A947-70E740481C1C}">
+                <a14:useLocalDpi xmlns:a14="http://schemas.microsoft.com/office/drawing/2010/main" val="0"/>
+              </a:ext>
+            </a:extLst>
+          </a:blip>
+          <a:srcRect/>
+          <a:stretch>
+            <a:fillRect/>
+          </a:stretch>
+        </p:blipFill>
+        <p:spPr bwMode="auto">
+          <a:xfrm>
+            <a:off x="10907563" y="3073710"/>
+            <a:ext cx="4883181" cy="1330793"/>
+          </a:xfrm>
+          <a:prstGeom prst="rect">
+            <a:avLst/>
+          </a:prstGeom>
+          <a:noFill/>
+          <a:extLst>
+            <a:ext uri="{909E8E84-426E-40DD-AFC4-6F175D3DCCD1}">
+              <a14:hiddenFill xmlns:a14="http://schemas.microsoft.com/office/drawing/2010/main">
+                <a:solidFill>
+                  <a:srgbClr val="FFFFFF"/>
+                </a:solidFill>
+              </a14:hiddenFill>
+            </a:ext>
+          </a:extLst>
+        </p:spPr>
+      </p:pic>
+      <p:pic>
+        <p:nvPicPr>
+          <p:cNvPr id="1028" name="Picture 4" descr="UCSD Logo, symbol, meaning, history, PNG, brand">
+            <a:extLst>
+              <a:ext uri="{FF2B5EF4-FFF2-40B4-BE49-F238E27FC236}">
+                <a16:creationId xmlns:a16="http://schemas.microsoft.com/office/drawing/2014/main" id="{A299D347-12E3-29A4-E7E2-1B01C49F9AE5}"/>
+              </a:ext>
+            </a:extLst>
+          </p:cNvPr>
+          <p:cNvPicPr>
+            <a:picLocks noChangeAspect="1" noChangeArrowheads="1"/>
+          </p:cNvPicPr>
+          <p:nvPr/>
+        </p:nvPicPr>
+        <p:blipFill>
+          <a:blip r:embed="rId3">
+            <a:extLst>
+              <a:ext uri="{28A0092B-C50C-407E-A947-70E740481C1C}">
+                <a14:useLocalDpi xmlns:a14="http://schemas.microsoft.com/office/drawing/2010/main" val="0"/>
+              </a:ext>
+            </a:extLst>
+          </a:blip>
+          <a:srcRect/>
+          <a:stretch>
+            <a:fillRect/>
+          </a:stretch>
+        </p:blipFill>
+        <p:spPr bwMode="auto">
+          <a:xfrm>
+            <a:off x="5788010" y="2713064"/>
+            <a:ext cx="4883181" cy="2746789"/>
+          </a:xfrm>
+          <a:prstGeom prst="rect">
+            <a:avLst/>
+          </a:prstGeom>
+          <a:noFill/>
+          <a:extLst>
+            <a:ext uri="{909E8E84-426E-40DD-AFC4-6F175D3DCCD1}">
+              <a14:hiddenFill xmlns:a14="http://schemas.microsoft.com/office/drawing/2010/main">
+                <a:solidFill>
+                  <a:srgbClr val="FFFFFF"/>
+                </a:solidFill>
+              </a14:hiddenFill>
+            </a:ext>
+          </a:extLst>
+        </p:spPr>
+      </p:pic>
+      <p:pic>
+        <p:nvPicPr>
+          <p:cNvPr id="1030" name="Picture 6" descr="NSF Logo, symbol, meaning, history, PNG, brand">
+            <a:extLst>
+              <a:ext uri="{FF2B5EF4-FFF2-40B4-BE49-F238E27FC236}">
+                <a16:creationId xmlns:a16="http://schemas.microsoft.com/office/drawing/2014/main" id="{4FF6EF7E-9BB4-F6F8-A205-4CAD7242EAA7}"/>
+              </a:ext>
+            </a:extLst>
+          </p:cNvPr>
+          <p:cNvPicPr>
+            <a:picLocks noChangeAspect="1" noChangeArrowheads="1"/>
+          </p:cNvPicPr>
+          <p:nvPr/>
+        </p:nvPicPr>
+        <p:blipFill>
+          <a:blip r:embed="rId4">
+            <a:extLst>
+              <a:ext uri="{28A0092B-C50C-407E-A947-70E740481C1C}">
+                <a14:useLocalDpi xmlns:a14="http://schemas.microsoft.com/office/drawing/2010/main" val="0"/>
+              </a:ext>
+            </a:extLst>
+          </a:blip>
+          <a:srcRect/>
+          <a:stretch>
+            <a:fillRect/>
+          </a:stretch>
+        </p:blipFill>
+        <p:spPr bwMode="auto">
+          <a:xfrm>
+            <a:off x="1927247" y="2807861"/>
+            <a:ext cx="3311088" cy="1862488"/>
+          </a:xfrm>
+          <a:prstGeom prst="rect">
+            <a:avLst/>
+          </a:prstGeom>
+          <a:noFill/>
+          <a:extLst>
+            <a:ext uri="{909E8E84-426E-40DD-AFC4-6F175D3DCCD1}">
+              <a14:hiddenFill xmlns:a14="http://schemas.microsoft.com/office/drawing/2010/main">
+                <a:solidFill>
+                  <a:srgbClr val="FFFFFF"/>
+                </a:solidFill>
+              </a14:hiddenFill>
+            </a:ext>
+          </a:extLst>
+        </p:spPr>
+      </p:pic>
+    </p:spTree>
+    <p:extLst>
+      <p:ext uri="{BB962C8B-B14F-4D97-AF65-F5344CB8AC3E}">
+        <p14:creationId xmlns:p14="http://schemas.microsoft.com/office/powerpoint/2010/main" val="1987893605"/>
       </p:ext>
     </p:extLst>
   </p:cSld>
